--- a/大作业/中小学班级管理系统.pptx
+++ b/大作业/中小学班级管理系统.pptx
@@ -1,16 +1,18 @@
 
 <file path=ppt/presentation.xml><?xml version="1.0" encoding="utf-8"?>
-<p:presentation xmlns:a="http://schemas.openxmlformats.org/drawingml/2006/main" xmlns:r="http://schemas.openxmlformats.org/officeDocument/2006/relationships" xmlns:p="http://schemas.openxmlformats.org/presentationml/2006/main" saveSubsetFonts="1">
+<p:presentation xmlns:a="http://schemas.openxmlformats.org/drawingml/2006/main" xmlns:r="http://schemas.openxmlformats.org/officeDocument/2006/relationships" xmlns:p="http://schemas.openxmlformats.org/presentationml/2006/main">
   <p:sldMasterIdLst>
     <p:sldMasterId id="2147483648" r:id="rId1"/>
   </p:sldMasterIdLst>
   <p:sldIdLst>
     <p:sldId id="256" r:id="rId2"/>
-    <p:sldId id="257" r:id="rId3"/>
-    <p:sldId id="258" r:id="rId4"/>
-    <p:sldId id="259" r:id="rId5"/>
-    <p:sldId id="260" r:id="rId6"/>
-    <p:sldId id="261" r:id="rId7"/>
+    <p:sldId id="262" r:id="rId3"/>
+    <p:sldId id="272" r:id="rId4"/>
+    <p:sldId id="263" r:id="rId5"/>
+    <p:sldId id="265" r:id="rId6"/>
+    <p:sldId id="269" r:id="rId7"/>
+    <p:sldId id="268" r:id="rId8"/>
+    <p:sldId id="260" r:id="rId9"/>
   </p:sldIdLst>
   <p:sldSz cx="12192000" cy="6858000"/>
   <p:notesSz cx="6858000" cy="9144000"/>
@@ -136,13 +138,7 @@
       </p:grpSpPr>
       <p:sp>
         <p:nvSpPr>
-          <p:cNvPr id="2" name="标题 1">
-            <a:extLst>
-              <a:ext uri="{FF2B5EF4-FFF2-40B4-BE49-F238E27FC236}">
-                <a16:creationId xmlns:a16="http://schemas.microsoft.com/office/drawing/2014/main" id="{A15E073F-645D-4845-9819-FE7D4906D345}"/>
-              </a:ext>
-            </a:extLst>
-          </p:cNvPr>
+          <p:cNvPr id="2" name="标题 1"/>
           <p:cNvSpPr>
             <a:spLocks noGrp="1"/>
           </p:cNvSpPr>
@@ -173,13 +169,7 @@
       </p:sp>
       <p:sp>
         <p:nvSpPr>
-          <p:cNvPr id="3" name="副标题 2">
-            <a:extLst>
-              <a:ext uri="{FF2B5EF4-FFF2-40B4-BE49-F238E27FC236}">
-                <a16:creationId xmlns:a16="http://schemas.microsoft.com/office/drawing/2014/main" id="{E5043116-56AB-46FB-B496-01CD9E8D8157}"/>
-              </a:ext>
-            </a:extLst>
-          </p:cNvPr>
+          <p:cNvPr id="3" name="副标题 2"/>
           <p:cNvSpPr>
             <a:spLocks noGrp="1"/>
           </p:cNvSpPr>
@@ -243,13 +233,7 @@
       </p:sp>
       <p:sp>
         <p:nvSpPr>
-          <p:cNvPr id="4" name="日期占位符 3">
-            <a:extLst>
-              <a:ext uri="{FF2B5EF4-FFF2-40B4-BE49-F238E27FC236}">
-                <a16:creationId xmlns:a16="http://schemas.microsoft.com/office/drawing/2014/main" id="{7D9C224B-0E6F-4400-AFA0-6ACD5D0262F6}"/>
-              </a:ext>
-            </a:extLst>
-          </p:cNvPr>
+          <p:cNvPr id="4" name="日期占位符 3"/>
           <p:cNvSpPr>
             <a:spLocks noGrp="1"/>
           </p:cNvSpPr>
@@ -264,7 +248,7 @@
           <a:p>
             <a:fld id="{FD8FECEA-D922-4BFD-A9DA-6AA5A25EA1B5}" type="datetimeFigureOut">
               <a:rPr lang="zh-CN" altLang="en-US" smtClean="0"/>
-              <a:t>2020/3/31</a:t>
+              <a:t>2020/5/30</a:t>
             </a:fld>
             <a:endParaRPr lang="zh-CN" altLang="en-US"/>
           </a:p>
@@ -272,13 +256,7 @@
       </p:sp>
       <p:sp>
         <p:nvSpPr>
-          <p:cNvPr id="5" name="页脚占位符 4">
-            <a:extLst>
-              <a:ext uri="{FF2B5EF4-FFF2-40B4-BE49-F238E27FC236}">
-                <a16:creationId xmlns:a16="http://schemas.microsoft.com/office/drawing/2014/main" id="{34C63DE2-3043-417E-A5ED-054370939C1A}"/>
-              </a:ext>
-            </a:extLst>
-          </p:cNvPr>
+          <p:cNvPr id="5" name="页脚占位符 4"/>
           <p:cNvSpPr>
             <a:spLocks noGrp="1"/>
           </p:cNvSpPr>
@@ -297,13 +275,7 @@
       </p:sp>
       <p:sp>
         <p:nvSpPr>
-          <p:cNvPr id="6" name="灯片编号占位符 5">
-            <a:extLst>
-              <a:ext uri="{FF2B5EF4-FFF2-40B4-BE49-F238E27FC236}">
-                <a16:creationId xmlns:a16="http://schemas.microsoft.com/office/drawing/2014/main" id="{9D03863B-F1FB-41C4-ADF6-B2F8CD662993}"/>
-              </a:ext>
-            </a:extLst>
-          </p:cNvPr>
+          <p:cNvPr id="6" name="灯片编号占位符 5"/>
           <p:cNvSpPr>
             <a:spLocks noGrp="1"/>
           </p:cNvSpPr>
@@ -325,11 +297,6 @@
         </p:txBody>
       </p:sp>
     </p:spTree>
-    <p:extLst>
-      <p:ext uri="{BB962C8B-B14F-4D97-AF65-F5344CB8AC3E}">
-        <p14:creationId xmlns:p14="http://schemas.microsoft.com/office/powerpoint/2010/main" val="2954457748"/>
-      </p:ext>
-    </p:extLst>
   </p:cSld>
   <p:clrMapOvr>
     <a:masterClrMapping/>
@@ -356,13 +323,7 @@
       </p:grpSpPr>
       <p:sp>
         <p:nvSpPr>
-          <p:cNvPr id="2" name="标题 1">
-            <a:extLst>
-              <a:ext uri="{FF2B5EF4-FFF2-40B4-BE49-F238E27FC236}">
-                <a16:creationId xmlns:a16="http://schemas.microsoft.com/office/drawing/2014/main" id="{514BB9C9-4E45-4FF3-AE1A-8F25B4723D37}"/>
-              </a:ext>
-            </a:extLst>
-          </p:cNvPr>
+          <p:cNvPr id="2" name="标题 1"/>
           <p:cNvSpPr>
             <a:spLocks noGrp="1"/>
           </p:cNvSpPr>
@@ -384,13 +345,7 @@
       </p:sp>
       <p:sp>
         <p:nvSpPr>
-          <p:cNvPr id="3" name="竖排文字占位符 2">
-            <a:extLst>
-              <a:ext uri="{FF2B5EF4-FFF2-40B4-BE49-F238E27FC236}">
-                <a16:creationId xmlns:a16="http://schemas.microsoft.com/office/drawing/2014/main" id="{9C841A8C-4F0D-49DC-B23E-852263B9B7A6}"/>
-              </a:ext>
-            </a:extLst>
-          </p:cNvPr>
+          <p:cNvPr id="3" name="竖排文字占位符 2"/>
           <p:cNvSpPr>
             <a:spLocks noGrp="1"/>
           </p:cNvSpPr>
@@ -441,13 +396,7 @@
       </p:sp>
       <p:sp>
         <p:nvSpPr>
-          <p:cNvPr id="4" name="日期占位符 3">
-            <a:extLst>
-              <a:ext uri="{FF2B5EF4-FFF2-40B4-BE49-F238E27FC236}">
-                <a16:creationId xmlns:a16="http://schemas.microsoft.com/office/drawing/2014/main" id="{0070079B-74BA-4AD8-B64B-F7A20BF82E59}"/>
-              </a:ext>
-            </a:extLst>
-          </p:cNvPr>
+          <p:cNvPr id="4" name="日期占位符 3"/>
           <p:cNvSpPr>
             <a:spLocks noGrp="1"/>
           </p:cNvSpPr>
@@ -462,7 +411,7 @@
           <a:p>
             <a:fld id="{FD8FECEA-D922-4BFD-A9DA-6AA5A25EA1B5}" type="datetimeFigureOut">
               <a:rPr lang="zh-CN" altLang="en-US" smtClean="0"/>
-              <a:t>2020/3/31</a:t>
+              <a:t>2020/5/30</a:t>
             </a:fld>
             <a:endParaRPr lang="zh-CN" altLang="en-US"/>
           </a:p>
@@ -470,13 +419,7 @@
       </p:sp>
       <p:sp>
         <p:nvSpPr>
-          <p:cNvPr id="5" name="页脚占位符 4">
-            <a:extLst>
-              <a:ext uri="{FF2B5EF4-FFF2-40B4-BE49-F238E27FC236}">
-                <a16:creationId xmlns:a16="http://schemas.microsoft.com/office/drawing/2014/main" id="{0AF41EB6-169C-4A9A-BE4A-56DC94B0B90C}"/>
-              </a:ext>
-            </a:extLst>
-          </p:cNvPr>
+          <p:cNvPr id="5" name="页脚占位符 4"/>
           <p:cNvSpPr>
             <a:spLocks noGrp="1"/>
           </p:cNvSpPr>
@@ -495,13 +438,7 @@
       </p:sp>
       <p:sp>
         <p:nvSpPr>
-          <p:cNvPr id="6" name="灯片编号占位符 5">
-            <a:extLst>
-              <a:ext uri="{FF2B5EF4-FFF2-40B4-BE49-F238E27FC236}">
-                <a16:creationId xmlns:a16="http://schemas.microsoft.com/office/drawing/2014/main" id="{56910268-AA59-41C3-8384-852606221A26}"/>
-              </a:ext>
-            </a:extLst>
-          </p:cNvPr>
+          <p:cNvPr id="6" name="灯片编号占位符 5"/>
           <p:cNvSpPr>
             <a:spLocks noGrp="1"/>
           </p:cNvSpPr>
@@ -523,11 +460,6 @@
         </p:txBody>
       </p:sp>
     </p:spTree>
-    <p:extLst>
-      <p:ext uri="{BB962C8B-B14F-4D97-AF65-F5344CB8AC3E}">
-        <p14:creationId xmlns:p14="http://schemas.microsoft.com/office/powerpoint/2010/main" val="2813700062"/>
-      </p:ext>
-    </p:extLst>
   </p:cSld>
   <p:clrMapOvr>
     <a:masterClrMapping/>
@@ -554,13 +486,7 @@
       </p:grpSpPr>
       <p:sp>
         <p:nvSpPr>
-          <p:cNvPr id="2" name="竖排标题 1">
-            <a:extLst>
-              <a:ext uri="{FF2B5EF4-FFF2-40B4-BE49-F238E27FC236}">
-                <a16:creationId xmlns:a16="http://schemas.microsoft.com/office/drawing/2014/main" id="{12E4F02E-B977-436C-BAC1-CB4E64CE768A}"/>
-              </a:ext>
-            </a:extLst>
-          </p:cNvPr>
+          <p:cNvPr id="2" name="竖排标题 1"/>
           <p:cNvSpPr>
             <a:spLocks noGrp="1"/>
           </p:cNvSpPr>
@@ -587,13 +513,7 @@
       </p:sp>
       <p:sp>
         <p:nvSpPr>
-          <p:cNvPr id="3" name="竖排文字占位符 2">
-            <a:extLst>
-              <a:ext uri="{FF2B5EF4-FFF2-40B4-BE49-F238E27FC236}">
-                <a16:creationId xmlns:a16="http://schemas.microsoft.com/office/drawing/2014/main" id="{819EB180-B761-4D90-9B55-89A2E89F23B6}"/>
-              </a:ext>
-            </a:extLst>
-          </p:cNvPr>
+          <p:cNvPr id="3" name="竖排文字占位符 2"/>
           <p:cNvSpPr>
             <a:spLocks noGrp="1"/>
           </p:cNvSpPr>
@@ -649,13 +569,7 @@
       </p:sp>
       <p:sp>
         <p:nvSpPr>
-          <p:cNvPr id="4" name="日期占位符 3">
-            <a:extLst>
-              <a:ext uri="{FF2B5EF4-FFF2-40B4-BE49-F238E27FC236}">
-                <a16:creationId xmlns:a16="http://schemas.microsoft.com/office/drawing/2014/main" id="{78A25DB9-B9D6-466E-BF9A-D7E73A70A2AE}"/>
-              </a:ext>
-            </a:extLst>
-          </p:cNvPr>
+          <p:cNvPr id="4" name="日期占位符 3"/>
           <p:cNvSpPr>
             <a:spLocks noGrp="1"/>
           </p:cNvSpPr>
@@ -670,7 +584,7 @@
           <a:p>
             <a:fld id="{FD8FECEA-D922-4BFD-A9DA-6AA5A25EA1B5}" type="datetimeFigureOut">
               <a:rPr lang="zh-CN" altLang="en-US" smtClean="0"/>
-              <a:t>2020/3/31</a:t>
+              <a:t>2020/5/30</a:t>
             </a:fld>
             <a:endParaRPr lang="zh-CN" altLang="en-US"/>
           </a:p>
@@ -678,13 +592,7 @@
       </p:sp>
       <p:sp>
         <p:nvSpPr>
-          <p:cNvPr id="5" name="页脚占位符 4">
-            <a:extLst>
-              <a:ext uri="{FF2B5EF4-FFF2-40B4-BE49-F238E27FC236}">
-                <a16:creationId xmlns:a16="http://schemas.microsoft.com/office/drawing/2014/main" id="{6F18ACE0-B147-43AD-88B1-2764D43E820A}"/>
-              </a:ext>
-            </a:extLst>
-          </p:cNvPr>
+          <p:cNvPr id="5" name="页脚占位符 4"/>
           <p:cNvSpPr>
             <a:spLocks noGrp="1"/>
           </p:cNvSpPr>
@@ -703,13 +611,7 @@
       </p:sp>
       <p:sp>
         <p:nvSpPr>
-          <p:cNvPr id="6" name="灯片编号占位符 5">
-            <a:extLst>
-              <a:ext uri="{FF2B5EF4-FFF2-40B4-BE49-F238E27FC236}">
-                <a16:creationId xmlns:a16="http://schemas.microsoft.com/office/drawing/2014/main" id="{14E5C370-995D-4A79-858A-AEDEF5101F0E}"/>
-              </a:ext>
-            </a:extLst>
-          </p:cNvPr>
+          <p:cNvPr id="6" name="灯片编号占位符 5"/>
           <p:cNvSpPr>
             <a:spLocks noGrp="1"/>
           </p:cNvSpPr>
@@ -731,11 +633,6 @@
         </p:txBody>
       </p:sp>
     </p:spTree>
-    <p:extLst>
-      <p:ext uri="{BB962C8B-B14F-4D97-AF65-F5344CB8AC3E}">
-        <p14:creationId xmlns:p14="http://schemas.microsoft.com/office/powerpoint/2010/main" val="116417151"/>
-      </p:ext>
-    </p:extLst>
   </p:cSld>
   <p:clrMapOvr>
     <a:masterClrMapping/>
@@ -762,13 +659,7 @@
       </p:grpSpPr>
       <p:sp>
         <p:nvSpPr>
-          <p:cNvPr id="2" name="标题 1">
-            <a:extLst>
-              <a:ext uri="{FF2B5EF4-FFF2-40B4-BE49-F238E27FC236}">
-                <a16:creationId xmlns:a16="http://schemas.microsoft.com/office/drawing/2014/main" id="{09899A0A-46A3-451E-9994-8D19C52937A1}"/>
-              </a:ext>
-            </a:extLst>
-          </p:cNvPr>
+          <p:cNvPr id="2" name="标题 1"/>
           <p:cNvSpPr>
             <a:spLocks noGrp="1"/>
           </p:cNvSpPr>
@@ -790,13 +681,7 @@
       </p:sp>
       <p:sp>
         <p:nvSpPr>
-          <p:cNvPr id="3" name="内容占位符 2">
-            <a:extLst>
-              <a:ext uri="{FF2B5EF4-FFF2-40B4-BE49-F238E27FC236}">
-                <a16:creationId xmlns:a16="http://schemas.microsoft.com/office/drawing/2014/main" id="{4B438C2D-3B2B-4E58-82DE-056A88B8F328}"/>
-              </a:ext>
-            </a:extLst>
-          </p:cNvPr>
+          <p:cNvPr id="3" name="内容占位符 2"/>
           <p:cNvSpPr>
             <a:spLocks noGrp="1"/>
           </p:cNvSpPr>
@@ -847,13 +732,7 @@
       </p:sp>
       <p:sp>
         <p:nvSpPr>
-          <p:cNvPr id="4" name="日期占位符 3">
-            <a:extLst>
-              <a:ext uri="{FF2B5EF4-FFF2-40B4-BE49-F238E27FC236}">
-                <a16:creationId xmlns:a16="http://schemas.microsoft.com/office/drawing/2014/main" id="{C9FDE63D-E7FD-4466-A354-477655968D88}"/>
-              </a:ext>
-            </a:extLst>
-          </p:cNvPr>
+          <p:cNvPr id="4" name="日期占位符 3"/>
           <p:cNvSpPr>
             <a:spLocks noGrp="1"/>
           </p:cNvSpPr>
@@ -868,7 +747,7 @@
           <a:p>
             <a:fld id="{FD8FECEA-D922-4BFD-A9DA-6AA5A25EA1B5}" type="datetimeFigureOut">
               <a:rPr lang="zh-CN" altLang="en-US" smtClean="0"/>
-              <a:t>2020/3/31</a:t>
+              <a:t>2020/5/30</a:t>
             </a:fld>
             <a:endParaRPr lang="zh-CN" altLang="en-US"/>
           </a:p>
@@ -876,13 +755,7 @@
       </p:sp>
       <p:sp>
         <p:nvSpPr>
-          <p:cNvPr id="5" name="页脚占位符 4">
-            <a:extLst>
-              <a:ext uri="{FF2B5EF4-FFF2-40B4-BE49-F238E27FC236}">
-                <a16:creationId xmlns:a16="http://schemas.microsoft.com/office/drawing/2014/main" id="{85A9CF54-39C7-4C2F-8EB7-15159899C015}"/>
-              </a:ext>
-            </a:extLst>
-          </p:cNvPr>
+          <p:cNvPr id="5" name="页脚占位符 4"/>
           <p:cNvSpPr>
             <a:spLocks noGrp="1"/>
           </p:cNvSpPr>
@@ -901,13 +774,7 @@
       </p:sp>
       <p:sp>
         <p:nvSpPr>
-          <p:cNvPr id="6" name="灯片编号占位符 5">
-            <a:extLst>
-              <a:ext uri="{FF2B5EF4-FFF2-40B4-BE49-F238E27FC236}">
-                <a16:creationId xmlns:a16="http://schemas.microsoft.com/office/drawing/2014/main" id="{B54BC75B-B233-4CCF-8E37-A2A4C58171DA}"/>
-              </a:ext>
-            </a:extLst>
-          </p:cNvPr>
+          <p:cNvPr id="6" name="灯片编号占位符 5"/>
           <p:cNvSpPr>
             <a:spLocks noGrp="1"/>
           </p:cNvSpPr>
@@ -929,11 +796,6 @@
         </p:txBody>
       </p:sp>
     </p:spTree>
-    <p:extLst>
-      <p:ext uri="{BB962C8B-B14F-4D97-AF65-F5344CB8AC3E}">
-        <p14:creationId xmlns:p14="http://schemas.microsoft.com/office/powerpoint/2010/main" val="557515991"/>
-      </p:ext>
-    </p:extLst>
   </p:cSld>
   <p:clrMapOvr>
     <a:masterClrMapping/>
@@ -960,13 +822,7 @@
       </p:grpSpPr>
       <p:sp>
         <p:nvSpPr>
-          <p:cNvPr id="2" name="标题 1">
-            <a:extLst>
-              <a:ext uri="{FF2B5EF4-FFF2-40B4-BE49-F238E27FC236}">
-                <a16:creationId xmlns:a16="http://schemas.microsoft.com/office/drawing/2014/main" id="{61C5E980-046C-4E9D-8EE5-B38AD793F955}"/>
-              </a:ext>
-            </a:extLst>
-          </p:cNvPr>
+          <p:cNvPr id="2" name="标题 1"/>
           <p:cNvSpPr>
             <a:spLocks noGrp="1"/>
           </p:cNvSpPr>
@@ -997,13 +853,7 @@
       </p:sp>
       <p:sp>
         <p:nvSpPr>
-          <p:cNvPr id="3" name="文本占位符 2">
-            <a:extLst>
-              <a:ext uri="{FF2B5EF4-FFF2-40B4-BE49-F238E27FC236}">
-                <a16:creationId xmlns:a16="http://schemas.microsoft.com/office/drawing/2014/main" id="{069FEA4F-827C-4B0A-B32D-4B95D52C2733}"/>
-              </a:ext>
-            </a:extLst>
-          </p:cNvPr>
+          <p:cNvPr id="3" name="文本占位符 2"/>
           <p:cNvSpPr>
             <a:spLocks noGrp="1"/>
           </p:cNvSpPr>
@@ -1122,13 +972,7 @@
       </p:sp>
       <p:sp>
         <p:nvSpPr>
-          <p:cNvPr id="4" name="日期占位符 3">
-            <a:extLst>
-              <a:ext uri="{FF2B5EF4-FFF2-40B4-BE49-F238E27FC236}">
-                <a16:creationId xmlns:a16="http://schemas.microsoft.com/office/drawing/2014/main" id="{49083058-031E-4DB8-AA3A-6A18270D0CF3}"/>
-              </a:ext>
-            </a:extLst>
-          </p:cNvPr>
+          <p:cNvPr id="4" name="日期占位符 3"/>
           <p:cNvSpPr>
             <a:spLocks noGrp="1"/>
           </p:cNvSpPr>
@@ -1143,7 +987,7 @@
           <a:p>
             <a:fld id="{FD8FECEA-D922-4BFD-A9DA-6AA5A25EA1B5}" type="datetimeFigureOut">
               <a:rPr lang="zh-CN" altLang="en-US" smtClean="0"/>
-              <a:t>2020/3/31</a:t>
+              <a:t>2020/5/30</a:t>
             </a:fld>
             <a:endParaRPr lang="zh-CN" altLang="en-US"/>
           </a:p>
@@ -1151,13 +995,7 @@
       </p:sp>
       <p:sp>
         <p:nvSpPr>
-          <p:cNvPr id="5" name="页脚占位符 4">
-            <a:extLst>
-              <a:ext uri="{FF2B5EF4-FFF2-40B4-BE49-F238E27FC236}">
-                <a16:creationId xmlns:a16="http://schemas.microsoft.com/office/drawing/2014/main" id="{4EA11947-6169-44B1-A6CE-4F59E9219489}"/>
-              </a:ext>
-            </a:extLst>
-          </p:cNvPr>
+          <p:cNvPr id="5" name="页脚占位符 4"/>
           <p:cNvSpPr>
             <a:spLocks noGrp="1"/>
           </p:cNvSpPr>
@@ -1176,13 +1014,7 @@
       </p:sp>
       <p:sp>
         <p:nvSpPr>
-          <p:cNvPr id="6" name="灯片编号占位符 5">
-            <a:extLst>
-              <a:ext uri="{FF2B5EF4-FFF2-40B4-BE49-F238E27FC236}">
-                <a16:creationId xmlns:a16="http://schemas.microsoft.com/office/drawing/2014/main" id="{BC97263E-2D00-44F5-9208-6502C9E73E8D}"/>
-              </a:ext>
-            </a:extLst>
-          </p:cNvPr>
+          <p:cNvPr id="6" name="灯片编号占位符 5"/>
           <p:cNvSpPr>
             <a:spLocks noGrp="1"/>
           </p:cNvSpPr>
@@ -1204,11 +1036,6 @@
         </p:txBody>
       </p:sp>
     </p:spTree>
-    <p:extLst>
-      <p:ext uri="{BB962C8B-B14F-4D97-AF65-F5344CB8AC3E}">
-        <p14:creationId xmlns:p14="http://schemas.microsoft.com/office/powerpoint/2010/main" val="2960816486"/>
-      </p:ext>
-    </p:extLst>
   </p:cSld>
   <p:clrMapOvr>
     <a:masterClrMapping/>
@@ -1235,13 +1062,7 @@
       </p:grpSpPr>
       <p:sp>
         <p:nvSpPr>
-          <p:cNvPr id="2" name="标题 1">
-            <a:extLst>
-              <a:ext uri="{FF2B5EF4-FFF2-40B4-BE49-F238E27FC236}">
-                <a16:creationId xmlns:a16="http://schemas.microsoft.com/office/drawing/2014/main" id="{859F81BE-04FA-4313-ABFF-4D8413FD01D6}"/>
-              </a:ext>
-            </a:extLst>
-          </p:cNvPr>
+          <p:cNvPr id="2" name="标题 1"/>
           <p:cNvSpPr>
             <a:spLocks noGrp="1"/>
           </p:cNvSpPr>
@@ -1263,13 +1084,7 @@
       </p:sp>
       <p:sp>
         <p:nvSpPr>
-          <p:cNvPr id="3" name="内容占位符 2">
-            <a:extLst>
-              <a:ext uri="{FF2B5EF4-FFF2-40B4-BE49-F238E27FC236}">
-                <a16:creationId xmlns:a16="http://schemas.microsoft.com/office/drawing/2014/main" id="{FA5A0F33-B6A3-4FD0-B2CB-416237252902}"/>
-              </a:ext>
-            </a:extLst>
-          </p:cNvPr>
+          <p:cNvPr id="3" name="内容占位符 2"/>
           <p:cNvSpPr>
             <a:spLocks noGrp="1"/>
           </p:cNvSpPr>
@@ -1325,13 +1140,7 @@
       </p:sp>
       <p:sp>
         <p:nvSpPr>
-          <p:cNvPr id="4" name="内容占位符 3">
-            <a:extLst>
-              <a:ext uri="{FF2B5EF4-FFF2-40B4-BE49-F238E27FC236}">
-                <a16:creationId xmlns:a16="http://schemas.microsoft.com/office/drawing/2014/main" id="{E78E35E0-4613-4703-882F-9329B4E5FEEB}"/>
-              </a:ext>
-            </a:extLst>
-          </p:cNvPr>
+          <p:cNvPr id="4" name="内容占位符 3"/>
           <p:cNvSpPr>
             <a:spLocks noGrp="1"/>
           </p:cNvSpPr>
@@ -1387,13 +1196,7 @@
       </p:sp>
       <p:sp>
         <p:nvSpPr>
-          <p:cNvPr id="5" name="日期占位符 4">
-            <a:extLst>
-              <a:ext uri="{FF2B5EF4-FFF2-40B4-BE49-F238E27FC236}">
-                <a16:creationId xmlns:a16="http://schemas.microsoft.com/office/drawing/2014/main" id="{1679D88A-1BBF-47CC-8D6E-CFBF0C5D3E2C}"/>
-              </a:ext>
-            </a:extLst>
-          </p:cNvPr>
+          <p:cNvPr id="5" name="日期占位符 4"/>
           <p:cNvSpPr>
             <a:spLocks noGrp="1"/>
           </p:cNvSpPr>
@@ -1408,7 +1211,7 @@
           <a:p>
             <a:fld id="{FD8FECEA-D922-4BFD-A9DA-6AA5A25EA1B5}" type="datetimeFigureOut">
               <a:rPr lang="zh-CN" altLang="en-US" smtClean="0"/>
-              <a:t>2020/3/31</a:t>
+              <a:t>2020/5/30</a:t>
             </a:fld>
             <a:endParaRPr lang="zh-CN" altLang="en-US"/>
           </a:p>
@@ -1416,13 +1219,7 @@
       </p:sp>
       <p:sp>
         <p:nvSpPr>
-          <p:cNvPr id="6" name="页脚占位符 5">
-            <a:extLst>
-              <a:ext uri="{FF2B5EF4-FFF2-40B4-BE49-F238E27FC236}">
-                <a16:creationId xmlns:a16="http://schemas.microsoft.com/office/drawing/2014/main" id="{76CA0C66-0D44-4AD5-BC8C-C287F5420A7C}"/>
-              </a:ext>
-            </a:extLst>
-          </p:cNvPr>
+          <p:cNvPr id="6" name="页脚占位符 5"/>
           <p:cNvSpPr>
             <a:spLocks noGrp="1"/>
           </p:cNvSpPr>
@@ -1441,13 +1238,7 @@
       </p:sp>
       <p:sp>
         <p:nvSpPr>
-          <p:cNvPr id="7" name="灯片编号占位符 6">
-            <a:extLst>
-              <a:ext uri="{FF2B5EF4-FFF2-40B4-BE49-F238E27FC236}">
-                <a16:creationId xmlns:a16="http://schemas.microsoft.com/office/drawing/2014/main" id="{67765C5E-4A5D-46F0-A764-6E05F87E87CF}"/>
-              </a:ext>
-            </a:extLst>
-          </p:cNvPr>
+          <p:cNvPr id="7" name="灯片编号占位符 6"/>
           <p:cNvSpPr>
             <a:spLocks noGrp="1"/>
           </p:cNvSpPr>
@@ -1469,11 +1260,6 @@
         </p:txBody>
       </p:sp>
     </p:spTree>
-    <p:extLst>
-      <p:ext uri="{BB962C8B-B14F-4D97-AF65-F5344CB8AC3E}">
-        <p14:creationId xmlns:p14="http://schemas.microsoft.com/office/powerpoint/2010/main" val="963675696"/>
-      </p:ext>
-    </p:extLst>
   </p:cSld>
   <p:clrMapOvr>
     <a:masterClrMapping/>
@@ -1500,13 +1286,7 @@
       </p:grpSpPr>
       <p:sp>
         <p:nvSpPr>
-          <p:cNvPr id="2" name="标题 1">
-            <a:extLst>
-              <a:ext uri="{FF2B5EF4-FFF2-40B4-BE49-F238E27FC236}">
-                <a16:creationId xmlns:a16="http://schemas.microsoft.com/office/drawing/2014/main" id="{9AF23EC0-1ABC-47AA-9BD2-7889AE1B4508}"/>
-              </a:ext>
-            </a:extLst>
-          </p:cNvPr>
+          <p:cNvPr id="2" name="标题 1"/>
           <p:cNvSpPr>
             <a:spLocks noGrp="1"/>
           </p:cNvSpPr>
@@ -1533,13 +1313,7 @@
       </p:sp>
       <p:sp>
         <p:nvSpPr>
-          <p:cNvPr id="3" name="文本占位符 2">
-            <a:extLst>
-              <a:ext uri="{FF2B5EF4-FFF2-40B4-BE49-F238E27FC236}">
-                <a16:creationId xmlns:a16="http://schemas.microsoft.com/office/drawing/2014/main" id="{0CDF5D95-5A71-4E0B-A5E7-C450AEBA1AC6}"/>
-              </a:ext>
-            </a:extLst>
-          </p:cNvPr>
+          <p:cNvPr id="3" name="文本占位符 2"/>
           <p:cNvSpPr>
             <a:spLocks noGrp="1"/>
           </p:cNvSpPr>
@@ -1604,13 +1378,7 @@
       </p:sp>
       <p:sp>
         <p:nvSpPr>
-          <p:cNvPr id="4" name="内容占位符 3">
-            <a:extLst>
-              <a:ext uri="{FF2B5EF4-FFF2-40B4-BE49-F238E27FC236}">
-                <a16:creationId xmlns:a16="http://schemas.microsoft.com/office/drawing/2014/main" id="{53D9ACE2-71E8-4A82-85C3-9619CBC4B798}"/>
-              </a:ext>
-            </a:extLst>
-          </p:cNvPr>
+          <p:cNvPr id="4" name="内容占位符 3"/>
           <p:cNvSpPr>
             <a:spLocks noGrp="1"/>
           </p:cNvSpPr>
@@ -1666,13 +1434,7 @@
       </p:sp>
       <p:sp>
         <p:nvSpPr>
-          <p:cNvPr id="5" name="文本占位符 4">
-            <a:extLst>
-              <a:ext uri="{FF2B5EF4-FFF2-40B4-BE49-F238E27FC236}">
-                <a16:creationId xmlns:a16="http://schemas.microsoft.com/office/drawing/2014/main" id="{9728EC98-A71D-40D0-AF1F-6BCD83B06576}"/>
-              </a:ext>
-            </a:extLst>
-          </p:cNvPr>
+          <p:cNvPr id="5" name="文本占位符 4"/>
           <p:cNvSpPr>
             <a:spLocks noGrp="1"/>
           </p:cNvSpPr>
@@ -1737,13 +1499,7 @@
       </p:sp>
       <p:sp>
         <p:nvSpPr>
-          <p:cNvPr id="6" name="内容占位符 5">
-            <a:extLst>
-              <a:ext uri="{FF2B5EF4-FFF2-40B4-BE49-F238E27FC236}">
-                <a16:creationId xmlns:a16="http://schemas.microsoft.com/office/drawing/2014/main" id="{285F3500-6242-49D5-9830-987CCE13954B}"/>
-              </a:ext>
-            </a:extLst>
-          </p:cNvPr>
+          <p:cNvPr id="6" name="内容占位符 5"/>
           <p:cNvSpPr>
             <a:spLocks noGrp="1"/>
           </p:cNvSpPr>
@@ -1799,13 +1555,7 @@
       </p:sp>
       <p:sp>
         <p:nvSpPr>
-          <p:cNvPr id="7" name="日期占位符 6">
-            <a:extLst>
-              <a:ext uri="{FF2B5EF4-FFF2-40B4-BE49-F238E27FC236}">
-                <a16:creationId xmlns:a16="http://schemas.microsoft.com/office/drawing/2014/main" id="{B0A9D924-C842-4EEC-8FC4-22DD6D33CE6F}"/>
-              </a:ext>
-            </a:extLst>
-          </p:cNvPr>
+          <p:cNvPr id="7" name="日期占位符 6"/>
           <p:cNvSpPr>
             <a:spLocks noGrp="1"/>
           </p:cNvSpPr>
@@ -1820,7 +1570,7 @@
           <a:p>
             <a:fld id="{FD8FECEA-D922-4BFD-A9DA-6AA5A25EA1B5}" type="datetimeFigureOut">
               <a:rPr lang="zh-CN" altLang="en-US" smtClean="0"/>
-              <a:t>2020/3/31</a:t>
+              <a:t>2020/5/30</a:t>
             </a:fld>
             <a:endParaRPr lang="zh-CN" altLang="en-US"/>
           </a:p>
@@ -1828,13 +1578,7 @@
       </p:sp>
       <p:sp>
         <p:nvSpPr>
-          <p:cNvPr id="8" name="页脚占位符 7">
-            <a:extLst>
-              <a:ext uri="{FF2B5EF4-FFF2-40B4-BE49-F238E27FC236}">
-                <a16:creationId xmlns:a16="http://schemas.microsoft.com/office/drawing/2014/main" id="{D8C708F9-DC3B-48D5-AB8A-ED1B7DD1EF7F}"/>
-              </a:ext>
-            </a:extLst>
-          </p:cNvPr>
+          <p:cNvPr id="8" name="页脚占位符 7"/>
           <p:cNvSpPr>
             <a:spLocks noGrp="1"/>
           </p:cNvSpPr>
@@ -1853,13 +1597,7 @@
       </p:sp>
       <p:sp>
         <p:nvSpPr>
-          <p:cNvPr id="9" name="灯片编号占位符 8">
-            <a:extLst>
-              <a:ext uri="{FF2B5EF4-FFF2-40B4-BE49-F238E27FC236}">
-                <a16:creationId xmlns:a16="http://schemas.microsoft.com/office/drawing/2014/main" id="{3043C018-F887-4704-97C1-3FD4BA36D0C5}"/>
-              </a:ext>
-            </a:extLst>
-          </p:cNvPr>
+          <p:cNvPr id="9" name="灯片编号占位符 8"/>
           <p:cNvSpPr>
             <a:spLocks noGrp="1"/>
           </p:cNvSpPr>
@@ -1881,11 +1619,6 @@
         </p:txBody>
       </p:sp>
     </p:spTree>
-    <p:extLst>
-      <p:ext uri="{BB962C8B-B14F-4D97-AF65-F5344CB8AC3E}">
-        <p14:creationId xmlns:p14="http://schemas.microsoft.com/office/powerpoint/2010/main" val="3930555106"/>
-      </p:ext>
-    </p:extLst>
   </p:cSld>
   <p:clrMapOvr>
     <a:masterClrMapping/>
@@ -1912,13 +1645,7 @@
       </p:grpSpPr>
       <p:sp>
         <p:nvSpPr>
-          <p:cNvPr id="2" name="标题 1">
-            <a:extLst>
-              <a:ext uri="{FF2B5EF4-FFF2-40B4-BE49-F238E27FC236}">
-                <a16:creationId xmlns:a16="http://schemas.microsoft.com/office/drawing/2014/main" id="{01D79365-2B9B-4105-BB1A-CDF602914E07}"/>
-              </a:ext>
-            </a:extLst>
-          </p:cNvPr>
+          <p:cNvPr id="2" name="标题 1"/>
           <p:cNvSpPr>
             <a:spLocks noGrp="1"/>
           </p:cNvSpPr>
@@ -1940,13 +1667,7 @@
       </p:sp>
       <p:sp>
         <p:nvSpPr>
-          <p:cNvPr id="3" name="日期占位符 2">
-            <a:extLst>
-              <a:ext uri="{FF2B5EF4-FFF2-40B4-BE49-F238E27FC236}">
-                <a16:creationId xmlns:a16="http://schemas.microsoft.com/office/drawing/2014/main" id="{2610AEDE-F33E-4D9B-8F4E-C9BE6A3AFA4B}"/>
-              </a:ext>
-            </a:extLst>
-          </p:cNvPr>
+          <p:cNvPr id="3" name="日期占位符 2"/>
           <p:cNvSpPr>
             <a:spLocks noGrp="1"/>
           </p:cNvSpPr>
@@ -1961,7 +1682,7 @@
           <a:p>
             <a:fld id="{FD8FECEA-D922-4BFD-A9DA-6AA5A25EA1B5}" type="datetimeFigureOut">
               <a:rPr lang="zh-CN" altLang="en-US" smtClean="0"/>
-              <a:t>2020/3/31</a:t>
+              <a:t>2020/5/30</a:t>
             </a:fld>
             <a:endParaRPr lang="zh-CN" altLang="en-US"/>
           </a:p>
@@ -1969,13 +1690,7 @@
       </p:sp>
       <p:sp>
         <p:nvSpPr>
-          <p:cNvPr id="4" name="页脚占位符 3">
-            <a:extLst>
-              <a:ext uri="{FF2B5EF4-FFF2-40B4-BE49-F238E27FC236}">
-                <a16:creationId xmlns:a16="http://schemas.microsoft.com/office/drawing/2014/main" id="{2BE5FF87-F72A-4E64-ADBF-4899BEA88661}"/>
-              </a:ext>
-            </a:extLst>
-          </p:cNvPr>
+          <p:cNvPr id="4" name="页脚占位符 3"/>
           <p:cNvSpPr>
             <a:spLocks noGrp="1"/>
           </p:cNvSpPr>
@@ -1994,13 +1709,7 @@
       </p:sp>
       <p:sp>
         <p:nvSpPr>
-          <p:cNvPr id="5" name="灯片编号占位符 4">
-            <a:extLst>
-              <a:ext uri="{FF2B5EF4-FFF2-40B4-BE49-F238E27FC236}">
-                <a16:creationId xmlns:a16="http://schemas.microsoft.com/office/drawing/2014/main" id="{5581D4B6-674D-46A6-A61C-44D801DDA5FB}"/>
-              </a:ext>
-            </a:extLst>
-          </p:cNvPr>
+          <p:cNvPr id="5" name="灯片编号占位符 4"/>
           <p:cNvSpPr>
             <a:spLocks noGrp="1"/>
           </p:cNvSpPr>
@@ -2022,11 +1731,6 @@
         </p:txBody>
       </p:sp>
     </p:spTree>
-    <p:extLst>
-      <p:ext uri="{BB962C8B-B14F-4D97-AF65-F5344CB8AC3E}">
-        <p14:creationId xmlns:p14="http://schemas.microsoft.com/office/powerpoint/2010/main" val="4092559370"/>
-      </p:ext>
-    </p:extLst>
   </p:cSld>
   <p:clrMapOvr>
     <a:masterClrMapping/>
@@ -2053,13 +1757,7 @@
       </p:grpSpPr>
       <p:sp>
         <p:nvSpPr>
-          <p:cNvPr id="2" name="日期占位符 1">
-            <a:extLst>
-              <a:ext uri="{FF2B5EF4-FFF2-40B4-BE49-F238E27FC236}">
-                <a16:creationId xmlns:a16="http://schemas.microsoft.com/office/drawing/2014/main" id="{FEB39108-38A9-4CFC-B4D6-0EA2E3982C96}"/>
-              </a:ext>
-            </a:extLst>
-          </p:cNvPr>
+          <p:cNvPr id="2" name="日期占位符 1"/>
           <p:cNvSpPr>
             <a:spLocks noGrp="1"/>
           </p:cNvSpPr>
@@ -2074,7 +1772,7 @@
           <a:p>
             <a:fld id="{FD8FECEA-D922-4BFD-A9DA-6AA5A25EA1B5}" type="datetimeFigureOut">
               <a:rPr lang="zh-CN" altLang="en-US" smtClean="0"/>
-              <a:t>2020/3/31</a:t>
+              <a:t>2020/5/30</a:t>
             </a:fld>
             <a:endParaRPr lang="zh-CN" altLang="en-US"/>
           </a:p>
@@ -2082,13 +1780,7 @@
       </p:sp>
       <p:sp>
         <p:nvSpPr>
-          <p:cNvPr id="3" name="页脚占位符 2">
-            <a:extLst>
-              <a:ext uri="{FF2B5EF4-FFF2-40B4-BE49-F238E27FC236}">
-                <a16:creationId xmlns:a16="http://schemas.microsoft.com/office/drawing/2014/main" id="{F8F91FE9-56AF-4310-B1B7-D77944365C28}"/>
-              </a:ext>
-            </a:extLst>
-          </p:cNvPr>
+          <p:cNvPr id="3" name="页脚占位符 2"/>
           <p:cNvSpPr>
             <a:spLocks noGrp="1"/>
           </p:cNvSpPr>
@@ -2107,13 +1799,7 @@
       </p:sp>
       <p:sp>
         <p:nvSpPr>
-          <p:cNvPr id="4" name="灯片编号占位符 3">
-            <a:extLst>
-              <a:ext uri="{FF2B5EF4-FFF2-40B4-BE49-F238E27FC236}">
-                <a16:creationId xmlns:a16="http://schemas.microsoft.com/office/drawing/2014/main" id="{36F3F12C-9412-4912-B127-41C9D01DFF91}"/>
-              </a:ext>
-            </a:extLst>
-          </p:cNvPr>
+          <p:cNvPr id="4" name="灯片编号占位符 3"/>
           <p:cNvSpPr>
             <a:spLocks noGrp="1"/>
           </p:cNvSpPr>
@@ -2135,11 +1821,6 @@
         </p:txBody>
       </p:sp>
     </p:spTree>
-    <p:extLst>
-      <p:ext uri="{BB962C8B-B14F-4D97-AF65-F5344CB8AC3E}">
-        <p14:creationId xmlns:p14="http://schemas.microsoft.com/office/powerpoint/2010/main" val="3543071068"/>
-      </p:ext>
-    </p:extLst>
   </p:cSld>
   <p:clrMapOvr>
     <a:masterClrMapping/>
@@ -2166,13 +1847,7 @@
       </p:grpSpPr>
       <p:sp>
         <p:nvSpPr>
-          <p:cNvPr id="2" name="标题 1">
-            <a:extLst>
-              <a:ext uri="{FF2B5EF4-FFF2-40B4-BE49-F238E27FC236}">
-                <a16:creationId xmlns:a16="http://schemas.microsoft.com/office/drawing/2014/main" id="{AD56EF74-656C-4D4A-9CFE-96D44E8DD7E3}"/>
-              </a:ext>
-            </a:extLst>
-          </p:cNvPr>
+          <p:cNvPr id="2" name="标题 1"/>
           <p:cNvSpPr>
             <a:spLocks noGrp="1"/>
           </p:cNvSpPr>
@@ -2203,13 +1878,7 @@
       </p:sp>
       <p:sp>
         <p:nvSpPr>
-          <p:cNvPr id="3" name="内容占位符 2">
-            <a:extLst>
-              <a:ext uri="{FF2B5EF4-FFF2-40B4-BE49-F238E27FC236}">
-                <a16:creationId xmlns:a16="http://schemas.microsoft.com/office/drawing/2014/main" id="{A79E85A2-AC00-4E0E-A976-C876E18C93D5}"/>
-              </a:ext>
-            </a:extLst>
-          </p:cNvPr>
+          <p:cNvPr id="3" name="内容占位符 2"/>
           <p:cNvSpPr>
             <a:spLocks noGrp="1"/>
           </p:cNvSpPr>
@@ -2293,13 +1962,7 @@
       </p:sp>
       <p:sp>
         <p:nvSpPr>
-          <p:cNvPr id="4" name="文本占位符 3">
-            <a:extLst>
-              <a:ext uri="{FF2B5EF4-FFF2-40B4-BE49-F238E27FC236}">
-                <a16:creationId xmlns:a16="http://schemas.microsoft.com/office/drawing/2014/main" id="{B6B653F1-DAE6-4DF7-9F90-B74127F39B72}"/>
-              </a:ext>
-            </a:extLst>
-          </p:cNvPr>
+          <p:cNvPr id="4" name="文本占位符 3"/>
           <p:cNvSpPr>
             <a:spLocks noGrp="1"/>
           </p:cNvSpPr>
@@ -2364,13 +2027,7 @@
       </p:sp>
       <p:sp>
         <p:nvSpPr>
-          <p:cNvPr id="5" name="日期占位符 4">
-            <a:extLst>
-              <a:ext uri="{FF2B5EF4-FFF2-40B4-BE49-F238E27FC236}">
-                <a16:creationId xmlns:a16="http://schemas.microsoft.com/office/drawing/2014/main" id="{998F9D43-3F37-4D8D-B0BE-9DD9F015A23B}"/>
-              </a:ext>
-            </a:extLst>
-          </p:cNvPr>
+          <p:cNvPr id="5" name="日期占位符 4"/>
           <p:cNvSpPr>
             <a:spLocks noGrp="1"/>
           </p:cNvSpPr>
@@ -2385,7 +2042,7 @@
           <a:p>
             <a:fld id="{FD8FECEA-D922-4BFD-A9DA-6AA5A25EA1B5}" type="datetimeFigureOut">
               <a:rPr lang="zh-CN" altLang="en-US" smtClean="0"/>
-              <a:t>2020/3/31</a:t>
+              <a:t>2020/5/30</a:t>
             </a:fld>
             <a:endParaRPr lang="zh-CN" altLang="en-US"/>
           </a:p>
@@ -2393,13 +2050,7 @@
       </p:sp>
       <p:sp>
         <p:nvSpPr>
-          <p:cNvPr id="6" name="页脚占位符 5">
-            <a:extLst>
-              <a:ext uri="{FF2B5EF4-FFF2-40B4-BE49-F238E27FC236}">
-                <a16:creationId xmlns:a16="http://schemas.microsoft.com/office/drawing/2014/main" id="{99431CF3-93F6-479B-9811-C9FAA3F3178F}"/>
-              </a:ext>
-            </a:extLst>
-          </p:cNvPr>
+          <p:cNvPr id="6" name="页脚占位符 5"/>
           <p:cNvSpPr>
             <a:spLocks noGrp="1"/>
           </p:cNvSpPr>
@@ -2418,13 +2069,7 @@
       </p:sp>
       <p:sp>
         <p:nvSpPr>
-          <p:cNvPr id="7" name="灯片编号占位符 6">
-            <a:extLst>
-              <a:ext uri="{FF2B5EF4-FFF2-40B4-BE49-F238E27FC236}">
-                <a16:creationId xmlns:a16="http://schemas.microsoft.com/office/drawing/2014/main" id="{F67BBC41-8A26-4F51-B6C4-269D83BEEE02}"/>
-              </a:ext>
-            </a:extLst>
-          </p:cNvPr>
+          <p:cNvPr id="7" name="灯片编号占位符 6"/>
           <p:cNvSpPr>
             <a:spLocks noGrp="1"/>
           </p:cNvSpPr>
@@ -2446,11 +2091,6 @@
         </p:txBody>
       </p:sp>
     </p:spTree>
-    <p:extLst>
-      <p:ext uri="{BB962C8B-B14F-4D97-AF65-F5344CB8AC3E}">
-        <p14:creationId xmlns:p14="http://schemas.microsoft.com/office/powerpoint/2010/main" val="445850742"/>
-      </p:ext>
-    </p:extLst>
   </p:cSld>
   <p:clrMapOvr>
     <a:masterClrMapping/>
@@ -2477,13 +2117,7 @@
       </p:grpSpPr>
       <p:sp>
         <p:nvSpPr>
-          <p:cNvPr id="2" name="标题 1">
-            <a:extLst>
-              <a:ext uri="{FF2B5EF4-FFF2-40B4-BE49-F238E27FC236}">
-                <a16:creationId xmlns:a16="http://schemas.microsoft.com/office/drawing/2014/main" id="{3E5E10BE-1DAA-41DF-B66E-7D5A903407F5}"/>
-              </a:ext>
-            </a:extLst>
-          </p:cNvPr>
+          <p:cNvPr id="2" name="标题 1"/>
           <p:cNvSpPr>
             <a:spLocks noGrp="1"/>
           </p:cNvSpPr>
@@ -2514,13 +2148,7 @@
       </p:sp>
       <p:sp>
         <p:nvSpPr>
-          <p:cNvPr id="3" name="图片占位符 2">
-            <a:extLst>
-              <a:ext uri="{FF2B5EF4-FFF2-40B4-BE49-F238E27FC236}">
-                <a16:creationId xmlns:a16="http://schemas.microsoft.com/office/drawing/2014/main" id="{DDF4AC48-3CB4-46CD-92AD-60EE0B9D4C23}"/>
-              </a:ext>
-            </a:extLst>
-          </p:cNvPr>
+          <p:cNvPr id="3" name="图片占位符 2"/>
           <p:cNvSpPr>
             <a:spLocks noGrp="1"/>
           </p:cNvSpPr>
@@ -2581,13 +2209,7 @@
       </p:sp>
       <p:sp>
         <p:nvSpPr>
-          <p:cNvPr id="4" name="文本占位符 3">
-            <a:extLst>
-              <a:ext uri="{FF2B5EF4-FFF2-40B4-BE49-F238E27FC236}">
-                <a16:creationId xmlns:a16="http://schemas.microsoft.com/office/drawing/2014/main" id="{87AA13DC-D7D4-4EF0-9217-C6C830CE08D3}"/>
-              </a:ext>
-            </a:extLst>
-          </p:cNvPr>
+          <p:cNvPr id="4" name="文本占位符 3"/>
           <p:cNvSpPr>
             <a:spLocks noGrp="1"/>
           </p:cNvSpPr>
@@ -2652,13 +2274,7 @@
       </p:sp>
       <p:sp>
         <p:nvSpPr>
-          <p:cNvPr id="5" name="日期占位符 4">
-            <a:extLst>
-              <a:ext uri="{FF2B5EF4-FFF2-40B4-BE49-F238E27FC236}">
-                <a16:creationId xmlns:a16="http://schemas.microsoft.com/office/drawing/2014/main" id="{0CF1DD8B-74D5-477F-9AA9-F25ECC3E4BDC}"/>
-              </a:ext>
-            </a:extLst>
-          </p:cNvPr>
+          <p:cNvPr id="5" name="日期占位符 4"/>
           <p:cNvSpPr>
             <a:spLocks noGrp="1"/>
           </p:cNvSpPr>
@@ -2673,7 +2289,7 @@
           <a:p>
             <a:fld id="{FD8FECEA-D922-4BFD-A9DA-6AA5A25EA1B5}" type="datetimeFigureOut">
               <a:rPr lang="zh-CN" altLang="en-US" smtClean="0"/>
-              <a:t>2020/3/31</a:t>
+              <a:t>2020/5/30</a:t>
             </a:fld>
             <a:endParaRPr lang="zh-CN" altLang="en-US"/>
           </a:p>
@@ -2681,13 +2297,7 @@
       </p:sp>
       <p:sp>
         <p:nvSpPr>
-          <p:cNvPr id="6" name="页脚占位符 5">
-            <a:extLst>
-              <a:ext uri="{FF2B5EF4-FFF2-40B4-BE49-F238E27FC236}">
-                <a16:creationId xmlns:a16="http://schemas.microsoft.com/office/drawing/2014/main" id="{8502D415-9D91-4F89-91F5-82EDAF424D76}"/>
-              </a:ext>
-            </a:extLst>
-          </p:cNvPr>
+          <p:cNvPr id="6" name="页脚占位符 5"/>
           <p:cNvSpPr>
             <a:spLocks noGrp="1"/>
           </p:cNvSpPr>
@@ -2706,13 +2316,7 @@
       </p:sp>
       <p:sp>
         <p:nvSpPr>
-          <p:cNvPr id="7" name="灯片编号占位符 6">
-            <a:extLst>
-              <a:ext uri="{FF2B5EF4-FFF2-40B4-BE49-F238E27FC236}">
-                <a16:creationId xmlns:a16="http://schemas.microsoft.com/office/drawing/2014/main" id="{DA742BB9-D7EB-45CD-9D87-E2E0FD85596D}"/>
-              </a:ext>
-            </a:extLst>
-          </p:cNvPr>
+          <p:cNvPr id="7" name="灯片编号占位符 6"/>
           <p:cNvSpPr>
             <a:spLocks noGrp="1"/>
           </p:cNvSpPr>
@@ -2734,11 +2338,6 @@
         </p:txBody>
       </p:sp>
     </p:spTree>
-    <p:extLst>
-      <p:ext uri="{BB962C8B-B14F-4D97-AF65-F5344CB8AC3E}">
-        <p14:creationId xmlns:p14="http://schemas.microsoft.com/office/powerpoint/2010/main" val="1141825590"/>
-      </p:ext>
-    </p:extLst>
   </p:cSld>
   <p:clrMapOvr>
     <a:masterClrMapping/>
@@ -2770,13 +2369,7 @@
       </p:grpSpPr>
       <p:sp>
         <p:nvSpPr>
-          <p:cNvPr id="2" name="标题占位符 1">
-            <a:extLst>
-              <a:ext uri="{FF2B5EF4-FFF2-40B4-BE49-F238E27FC236}">
-                <a16:creationId xmlns:a16="http://schemas.microsoft.com/office/drawing/2014/main" id="{625B75EE-505C-48F0-9F20-EB8B7A211A3E}"/>
-              </a:ext>
-            </a:extLst>
-          </p:cNvPr>
+          <p:cNvPr id="2" name="标题占位符 1"/>
           <p:cNvSpPr>
             <a:spLocks noGrp="1"/>
           </p:cNvSpPr>
@@ -2808,13 +2401,7 @@
       </p:sp>
       <p:sp>
         <p:nvSpPr>
-          <p:cNvPr id="3" name="文本占位符 2">
-            <a:extLst>
-              <a:ext uri="{FF2B5EF4-FFF2-40B4-BE49-F238E27FC236}">
-                <a16:creationId xmlns:a16="http://schemas.microsoft.com/office/drawing/2014/main" id="{92265059-C33A-4E5C-AB6B-2ADE8C703C4A}"/>
-              </a:ext>
-            </a:extLst>
-          </p:cNvPr>
+          <p:cNvPr id="3" name="文本占位符 2"/>
           <p:cNvSpPr>
             <a:spLocks noGrp="1"/>
           </p:cNvSpPr>
@@ -2875,13 +2462,7 @@
       </p:sp>
       <p:sp>
         <p:nvSpPr>
-          <p:cNvPr id="4" name="日期占位符 3">
-            <a:extLst>
-              <a:ext uri="{FF2B5EF4-FFF2-40B4-BE49-F238E27FC236}">
-                <a16:creationId xmlns:a16="http://schemas.microsoft.com/office/drawing/2014/main" id="{0B2C3B53-984F-4A2D-A297-810EA3D7DBF0}"/>
-              </a:ext>
-            </a:extLst>
-          </p:cNvPr>
+          <p:cNvPr id="4" name="日期占位符 3"/>
           <p:cNvSpPr>
             <a:spLocks noGrp="1"/>
           </p:cNvSpPr>
@@ -2914,7 +2495,7 @@
           <a:p>
             <a:fld id="{FD8FECEA-D922-4BFD-A9DA-6AA5A25EA1B5}" type="datetimeFigureOut">
               <a:rPr lang="zh-CN" altLang="en-US" smtClean="0"/>
-              <a:t>2020/3/31</a:t>
+              <a:t>2020/5/30</a:t>
             </a:fld>
             <a:endParaRPr lang="zh-CN" altLang="en-US"/>
           </a:p>
@@ -2922,13 +2503,7 @@
       </p:sp>
       <p:sp>
         <p:nvSpPr>
-          <p:cNvPr id="5" name="页脚占位符 4">
-            <a:extLst>
-              <a:ext uri="{FF2B5EF4-FFF2-40B4-BE49-F238E27FC236}">
-                <a16:creationId xmlns:a16="http://schemas.microsoft.com/office/drawing/2014/main" id="{F5116A99-8716-4925-86AA-468D3C5914C9}"/>
-              </a:ext>
-            </a:extLst>
-          </p:cNvPr>
+          <p:cNvPr id="5" name="页脚占位符 4"/>
           <p:cNvSpPr>
             <a:spLocks noGrp="1"/>
           </p:cNvSpPr>
@@ -2965,13 +2540,7 @@
       </p:sp>
       <p:sp>
         <p:nvSpPr>
-          <p:cNvPr id="6" name="灯片编号占位符 5">
-            <a:extLst>
-              <a:ext uri="{FF2B5EF4-FFF2-40B4-BE49-F238E27FC236}">
-                <a16:creationId xmlns:a16="http://schemas.microsoft.com/office/drawing/2014/main" id="{D06A18AF-E0E6-4204-8BCA-599F43270A88}"/>
-              </a:ext>
-            </a:extLst>
-          </p:cNvPr>
+          <p:cNvPr id="6" name="灯片编号占位符 5"/>
           <p:cNvSpPr>
             <a:spLocks noGrp="1"/>
           </p:cNvSpPr>
@@ -3011,11 +2580,6 @@
         </p:txBody>
       </p:sp>
     </p:spTree>
-    <p:extLst>
-      <p:ext uri="{BB962C8B-B14F-4D97-AF65-F5344CB8AC3E}">
-        <p14:creationId xmlns:p14="http://schemas.microsoft.com/office/powerpoint/2010/main" val="3834302359"/>
-      </p:ext>
-    </p:extLst>
   </p:cSld>
   <p:clrMap bg1="lt1" tx1="dk1" bg2="lt2" tx2="dk2" accent1="accent1" accent2="accent2" accent3="accent3" accent4="accent4" accent5="accent5" accent6="accent6" hlink="hlink" folHlink="folHlink"/>
   <p:sldLayoutIdLst>
@@ -3317,6 +2881,17 @@
 <file path=ppt/slides/slide1.xml><?xml version="1.0" encoding="utf-8"?>
 <p:sld xmlns:a="http://schemas.openxmlformats.org/drawingml/2006/main" xmlns:r="http://schemas.openxmlformats.org/officeDocument/2006/relationships" xmlns:p="http://schemas.openxmlformats.org/presentationml/2006/main">
   <p:cSld>
+    <p:bg>
+      <p:bgPr>
+        <a:blipFill rotWithShape="1">
+          <a:blip r:embed="rId2"/>
+          <a:stretch>
+            <a:fillRect/>
+          </a:stretch>
+        </a:blipFill>
+        <a:effectLst/>
+      </p:bgPr>
+    </p:bg>
     <p:spTree>
       <p:nvGrpSpPr>
         <p:cNvPr id="1" name=""/>
@@ -3333,13 +2908,7 @@
       </p:grpSpPr>
       <p:sp>
         <p:nvSpPr>
-          <p:cNvPr id="2" name="标题 1">
-            <a:extLst>
-              <a:ext uri="{FF2B5EF4-FFF2-40B4-BE49-F238E27FC236}">
-                <a16:creationId xmlns:a16="http://schemas.microsoft.com/office/drawing/2014/main" id="{8A045739-DC5E-4A73-A04F-D4A40BD84939}"/>
-              </a:ext>
-            </a:extLst>
-          </p:cNvPr>
+          <p:cNvPr id="2" name="标题 1"/>
           <p:cNvSpPr>
             <a:spLocks noGrp="1"/>
           </p:cNvSpPr>
@@ -3353,7 +2922,10 @@
           <a:lstStyle/>
           <a:p>
             <a:r>
-              <a:rPr lang="zh-CN" altLang="en-US" dirty="0"/>
+              <a:rPr lang="zh-CN" altLang="en-US" dirty="0">
+                <a:latin typeface="宋体" panose="02010600030101010101" pitchFamily="2" charset="-122"/>
+                <a:ea typeface="宋体" panose="02010600030101010101" pitchFamily="2" charset="-122"/>
+              </a:rPr>
               <a:t>中小学班级管理系统</a:t>
             </a:r>
           </a:p>
@@ -3361,13 +2933,7 @@
       </p:sp>
       <p:sp>
         <p:nvSpPr>
-          <p:cNvPr id="3" name="副标题 2">
-            <a:extLst>
-              <a:ext uri="{FF2B5EF4-FFF2-40B4-BE49-F238E27FC236}">
-                <a16:creationId xmlns:a16="http://schemas.microsoft.com/office/drawing/2014/main" id="{F5F88A2E-424B-4E29-8F86-CAF41D497BB5}"/>
-              </a:ext>
-            </a:extLst>
-          </p:cNvPr>
+          <p:cNvPr id="3" name="副标题 2"/>
           <p:cNvSpPr>
             <a:spLocks noGrp="1"/>
           </p:cNvSpPr>
@@ -3380,16 +2946,18 @@
           <a:bodyPr/>
           <a:lstStyle/>
           <a:p>
-            <a:endParaRPr lang="zh-CN" altLang="en-US"/>
+            <a:r>
+              <a:rPr lang="zh-CN" altLang="en-US" dirty="0">
+                <a:latin typeface="楷体" panose="02010609060101010101" charset="-122"/>
+                <a:ea typeface="楷体" panose="02010609060101010101" charset="-122"/>
+                <a:cs typeface="楷体" panose="02010609060101010101" charset="-122"/>
+              </a:rPr>
+              <a:t>莫玮 陆泽宇 杜瑾 卢宇</a:t>
+            </a:r>
           </a:p>
         </p:txBody>
       </p:sp>
     </p:spTree>
-    <p:extLst>
-      <p:ext uri="{BB962C8B-B14F-4D97-AF65-F5344CB8AC3E}">
-        <p14:creationId xmlns:p14="http://schemas.microsoft.com/office/powerpoint/2010/main" val="1739941103"/>
-      </p:ext>
-    </p:extLst>
   </p:cSld>
   <p:clrMapOvr>
     <a:masterClrMapping/>
@@ -3400,6 +2968,17 @@
 <file path=ppt/slides/slide2.xml><?xml version="1.0" encoding="utf-8"?>
 <p:sld xmlns:a="http://schemas.openxmlformats.org/drawingml/2006/main" xmlns:r="http://schemas.openxmlformats.org/officeDocument/2006/relationships" xmlns:p="http://schemas.openxmlformats.org/presentationml/2006/main">
   <p:cSld>
+    <p:bg>
+      <p:bgPr>
+        <a:blipFill rotWithShape="1">
+          <a:blip r:embed="rId8"/>
+          <a:stretch>
+            <a:fillRect/>
+          </a:stretch>
+        </a:blipFill>
+        <a:effectLst/>
+      </p:bgPr>
+    </p:bg>
     <p:spTree>
       <p:nvGrpSpPr>
         <p:cNvPr id="1" name=""/>
@@ -3416,27 +2995,434 @@
       </p:grpSpPr>
       <p:sp>
         <p:nvSpPr>
-          <p:cNvPr id="2" name="标题 1">
-            <a:extLst>
-              <a:ext uri="{FF2B5EF4-FFF2-40B4-BE49-F238E27FC236}">
-                <a16:creationId xmlns:a16="http://schemas.microsoft.com/office/drawing/2014/main" id="{EF05846F-66C6-4611-A90A-2B280EBB5B23}"/>
-              </a:ext>
-            </a:extLst>
-          </p:cNvPr>
-          <p:cNvSpPr>
-            <a:spLocks noGrp="1"/>
-          </p:cNvSpPr>
-          <p:nvPr>
-            <p:ph type="title"/>
-          </p:nvPr>
-        </p:nvSpPr>
-        <p:spPr/>
-        <p:txBody>
-          <a:bodyPr/>
-          <a:lstStyle/>
-          <a:p>
-            <a:r>
-              <a:rPr lang="zh-CN" altLang="en-US" dirty="0"/>
+          <p:cNvPr id="3" name="内容占位符 2"/>
+          <p:cNvSpPr>
+            <a:spLocks noGrp="1"/>
+          </p:cNvSpPr>
+          <p:nvPr>
+            <p:ph idx="1"/>
+          </p:nvPr>
+        </p:nvSpPr>
+        <p:spPr>
+          <a:xfrm>
+            <a:off x="861134" y="1253331"/>
+            <a:ext cx="9916357" cy="4351338"/>
+          </a:xfrm>
+        </p:spPr>
+        <p:txBody>
+          <a:bodyPr/>
+          <a:lstStyle/>
+          <a:p>
+            <a:endParaRPr lang="en-US" altLang="zh-CN" dirty="0"/>
+          </a:p>
+          <a:p>
+            <a:pPr marL="0" indent="0">
+              <a:buNone/>
+            </a:pPr>
+            <a:endParaRPr lang="zh-CN" altLang="en-US" dirty="0"/>
+          </a:p>
+        </p:txBody>
+      </p:sp>
+      <p:cxnSp>
+        <p:nvCxnSpPr>
+          <p:cNvPr id="5" name="直接连接符 4"/>
+          <p:cNvCxnSpPr/>
+          <p:nvPr>
+            <p:custDataLst>
+              <p:tags r:id="rId1"/>
+            </p:custDataLst>
+          </p:nvPr>
+        </p:nvCxnSpPr>
+        <p:spPr>
+          <a:xfrm>
+            <a:off x="6067985" y="3003067"/>
+            <a:ext cx="0" cy="1092777"/>
+          </a:xfrm>
+          <a:prstGeom prst="line">
+            <a:avLst/>
+          </a:prstGeom>
+          <a:noFill/>
+          <a:ln w="19050" cap="flat" cmpd="sng" algn="ctr">
+            <a:solidFill>
+              <a:srgbClr val="6D6E72">
+                <a:lumMod val="20000"/>
+                <a:lumOff val="80000"/>
+              </a:srgbClr>
+            </a:solidFill>
+            <a:prstDash val="solid"/>
+            <a:miter lim="800000"/>
+          </a:ln>
+          <a:effectLst/>
+        </p:spPr>
+      </p:cxnSp>
+      <p:cxnSp>
+        <p:nvCxnSpPr>
+          <p:cNvPr id="6" name="直接连接符 5"/>
+          <p:cNvCxnSpPr/>
+          <p:nvPr>
+            <p:custDataLst>
+              <p:tags r:id="rId2"/>
+            </p:custDataLst>
+          </p:nvPr>
+        </p:nvCxnSpPr>
+        <p:spPr>
+          <a:xfrm>
+            <a:off x="2340991" y="4083775"/>
+            <a:ext cx="7449625" cy="0"/>
+          </a:xfrm>
+          <a:prstGeom prst="line">
+            <a:avLst/>
+          </a:prstGeom>
+          <a:noFill/>
+          <a:ln w="19050" cap="flat" cmpd="sng" algn="ctr">
+            <a:solidFill>
+              <a:srgbClr val="6D6E72">
+                <a:lumMod val="20000"/>
+                <a:lumOff val="80000"/>
+              </a:srgbClr>
+            </a:solidFill>
+            <a:prstDash val="solid"/>
+            <a:miter lim="800000"/>
+          </a:ln>
+          <a:effectLst/>
+        </p:spPr>
+      </p:cxnSp>
+      <p:sp>
+        <p:nvSpPr>
+          <p:cNvPr id="11" name="矩形 10"/>
+          <p:cNvSpPr/>
+          <p:nvPr>
+            <p:custDataLst>
+              <p:tags r:id="rId3"/>
+            </p:custDataLst>
+          </p:nvPr>
+        </p:nvSpPr>
+        <p:spPr>
+          <a:xfrm>
+            <a:off x="5341014" y="1737569"/>
+            <a:ext cx="1458439" cy="528807"/>
+          </a:xfrm>
+          <a:prstGeom prst="rect">
+            <a:avLst/>
+          </a:prstGeom>
+          <a:noFill/>
+        </p:spPr>
+        <p:txBody>
+          <a:bodyPr wrap="square" anchor="ctr" anchorCtr="0">
+            <a:normAutofit/>
+          </a:bodyPr>
+          <a:lstStyle/>
+          <a:p>
+            <a:pPr algn="ctr">
+              <a:lnSpc>
+                <a:spcPct val="120000"/>
+              </a:lnSpc>
+              <a:spcAft>
+                <a:spcPts val="0"/>
+              </a:spcAft>
+            </a:pPr>
+            <a:r>
+              <a:rPr lang="zh-CN" altLang="zh-CN" b="1" spc="300">
+                <a:latin typeface="微软雅黑" panose="020B0503020204020204" charset="-122"/>
+                <a:ea typeface="微软雅黑" panose="020B0503020204020204" charset="-122"/>
+              </a:rPr>
+              <a:t>添加标题</a:t>
+            </a:r>
+          </a:p>
+        </p:txBody>
+      </p:sp>
+      <p:cxnSp>
+        <p:nvCxnSpPr>
+          <p:cNvPr id="24" name="直接连接符 23"/>
+          <p:cNvCxnSpPr/>
+          <p:nvPr>
+            <p:custDataLst>
+              <p:tags r:id="rId4"/>
+            </p:custDataLst>
+          </p:nvPr>
+        </p:nvCxnSpPr>
+        <p:spPr>
+          <a:xfrm>
+            <a:off x="2363510" y="4083775"/>
+            <a:ext cx="0" cy="1649599"/>
+          </a:xfrm>
+          <a:prstGeom prst="line">
+            <a:avLst/>
+          </a:prstGeom>
+          <a:noFill/>
+          <a:ln w="19050" cap="flat" cmpd="sng" algn="ctr">
+            <a:solidFill>
+              <a:srgbClr val="6D6E72">
+                <a:lumMod val="20000"/>
+                <a:lumOff val="80000"/>
+              </a:srgbClr>
+            </a:solidFill>
+            <a:prstDash val="solid"/>
+            <a:miter lim="800000"/>
+          </a:ln>
+          <a:effectLst/>
+        </p:spPr>
+      </p:cxnSp>
+      <p:cxnSp>
+        <p:nvCxnSpPr>
+          <p:cNvPr id="20" name="直接连接符 19"/>
+          <p:cNvCxnSpPr/>
+          <p:nvPr>
+            <p:custDataLst>
+              <p:tags r:id="rId5"/>
+            </p:custDataLst>
+          </p:nvPr>
+        </p:nvCxnSpPr>
+        <p:spPr>
+          <a:xfrm>
+            <a:off x="6067985" y="4083775"/>
+            <a:ext cx="0" cy="1649599"/>
+          </a:xfrm>
+          <a:prstGeom prst="line">
+            <a:avLst/>
+          </a:prstGeom>
+          <a:noFill/>
+          <a:ln w="19050" cap="flat" cmpd="sng" algn="ctr">
+            <a:solidFill>
+              <a:srgbClr val="6D6E72">
+                <a:lumMod val="20000"/>
+                <a:lumOff val="80000"/>
+              </a:srgbClr>
+            </a:solidFill>
+            <a:prstDash val="solid"/>
+            <a:miter lim="800000"/>
+          </a:ln>
+          <a:effectLst/>
+        </p:spPr>
+      </p:cxnSp>
+      <p:cxnSp>
+        <p:nvCxnSpPr>
+          <p:cNvPr id="16" name="直接连接符 15"/>
+          <p:cNvCxnSpPr/>
+          <p:nvPr>
+            <p:custDataLst>
+              <p:tags r:id="rId6"/>
+            </p:custDataLst>
+          </p:nvPr>
+        </p:nvCxnSpPr>
+        <p:spPr>
+          <a:xfrm>
+            <a:off x="9783718" y="4083775"/>
+            <a:ext cx="0" cy="1659714"/>
+          </a:xfrm>
+          <a:prstGeom prst="line">
+            <a:avLst/>
+          </a:prstGeom>
+          <a:noFill/>
+          <a:ln w="19050" cap="flat" cmpd="sng" algn="ctr">
+            <a:solidFill>
+              <a:srgbClr val="6D6E72">
+                <a:lumMod val="20000"/>
+                <a:lumOff val="80000"/>
+              </a:srgbClr>
+            </a:solidFill>
+            <a:prstDash val="solid"/>
+            <a:miter lim="800000"/>
+          </a:ln>
+          <a:effectLst/>
+        </p:spPr>
+      </p:cxnSp>
+      <p:sp>
+        <p:nvSpPr>
+          <p:cNvPr id="2" name="文本框 1"/>
+          <p:cNvSpPr txBox="1"/>
+          <p:nvPr/>
+        </p:nvSpPr>
+        <p:spPr>
+          <a:xfrm>
+            <a:off x="5129530" y="2435225"/>
+            <a:ext cx="2162175" cy="521970"/>
+          </a:xfrm>
+          <a:prstGeom prst="rect">
+            <a:avLst/>
+          </a:prstGeom>
+        </p:spPr>
+        <p:style>
+          <a:lnRef idx="2">
+            <a:schemeClr val="dk1"/>
+          </a:lnRef>
+          <a:fillRef idx="1">
+            <a:schemeClr val="lt1"/>
+          </a:fillRef>
+          <a:effectRef idx="0">
+            <a:schemeClr val="dk1"/>
+          </a:effectRef>
+          <a:fontRef idx="minor">
+            <a:schemeClr val="dk1"/>
+          </a:fontRef>
+        </p:style>
+        <p:txBody>
+          <a:bodyPr wrap="square" rtlCol="0">
+            <a:spAutoFit/>
+          </a:bodyPr>
+          <a:lstStyle/>
+          <a:p>
+            <a:r>
+              <a:rPr lang="en-US" altLang="zh-CN" sz="2000">
+                <a:latin typeface="楷体" panose="02010609060101010101" charset="-122"/>
+                <a:ea typeface="楷体" panose="02010609060101010101" charset="-122"/>
+              </a:rPr>
+              <a:t>  </a:t>
+            </a:r>
+            <a:r>
+              <a:rPr lang="zh-CN" altLang="en-US" sz="2800">
+                <a:latin typeface="楷体" panose="02010609060101010101" charset="-122"/>
+                <a:ea typeface="楷体" panose="02010609060101010101" charset="-122"/>
+              </a:rPr>
+              <a:t> 主页面</a:t>
+            </a:r>
+          </a:p>
+        </p:txBody>
+      </p:sp>
+      <p:sp>
+        <p:nvSpPr>
+          <p:cNvPr id="4" name="文本框 3"/>
+          <p:cNvSpPr txBox="1"/>
+          <p:nvPr/>
+        </p:nvSpPr>
+        <p:spPr>
+          <a:xfrm>
+            <a:off x="1590675" y="5144770"/>
+            <a:ext cx="1545590" cy="460375"/>
+          </a:xfrm>
+          <a:prstGeom prst="rect">
+            <a:avLst/>
+          </a:prstGeom>
+        </p:spPr>
+        <p:style>
+          <a:lnRef idx="2">
+            <a:schemeClr val="dk1"/>
+          </a:lnRef>
+          <a:fillRef idx="1">
+            <a:schemeClr val="lt1"/>
+          </a:fillRef>
+          <a:effectRef idx="0">
+            <a:schemeClr val="dk1"/>
+          </a:effectRef>
+          <a:fontRef idx="minor">
+            <a:schemeClr val="dk1"/>
+          </a:fontRef>
+        </p:style>
+        <p:txBody>
+          <a:bodyPr wrap="square" rtlCol="0">
+            <a:spAutoFit/>
+          </a:bodyPr>
+          <a:lstStyle/>
+          <a:p>
+            <a:r>
+              <a:rPr lang="zh-CN" altLang="en-US" sz="2400">
+                <a:latin typeface="楷体" panose="02010609060101010101" charset="-122"/>
+                <a:ea typeface="楷体" panose="02010609060101010101" charset="-122"/>
+              </a:rPr>
+              <a:t>作业界面</a:t>
+            </a:r>
+          </a:p>
+        </p:txBody>
+      </p:sp>
+      <p:sp>
+        <p:nvSpPr>
+          <p:cNvPr id="12" name="文本框 11"/>
+          <p:cNvSpPr txBox="1"/>
+          <p:nvPr/>
+        </p:nvSpPr>
+        <p:spPr>
+          <a:xfrm>
+            <a:off x="5069840" y="5144770"/>
+            <a:ext cx="1991995" cy="460375"/>
+          </a:xfrm>
+          <a:prstGeom prst="rect">
+            <a:avLst/>
+          </a:prstGeom>
+        </p:spPr>
+        <p:style>
+          <a:lnRef idx="2">
+            <a:schemeClr val="dk1"/>
+          </a:lnRef>
+          <a:fillRef idx="1">
+            <a:schemeClr val="lt1"/>
+          </a:fillRef>
+          <a:effectRef idx="0">
+            <a:schemeClr val="dk1"/>
+          </a:effectRef>
+          <a:fontRef idx="minor">
+            <a:schemeClr val="dk1"/>
+          </a:fontRef>
+        </p:style>
+        <p:txBody>
+          <a:bodyPr wrap="square" rtlCol="0">
+            <a:spAutoFit/>
+          </a:bodyPr>
+          <a:lstStyle/>
+          <a:p>
+            <a:r>
+              <a:rPr lang="en-US" altLang="zh-CN" sz="2400">
+                <a:latin typeface="楷体" panose="02010609060101010101" charset="-122"/>
+                <a:ea typeface="楷体" panose="02010609060101010101" charset="-122"/>
+              </a:rPr>
+              <a:t>  </a:t>
+            </a:r>
+            <a:r>
+              <a:rPr lang="zh-CN" altLang="en-US" sz="2400">
+                <a:latin typeface="楷体" panose="02010609060101010101" charset="-122"/>
+                <a:ea typeface="楷体" panose="02010609060101010101" charset="-122"/>
+              </a:rPr>
+              <a:t>作业录入</a:t>
+            </a:r>
+          </a:p>
+        </p:txBody>
+      </p:sp>
+      <p:sp>
+        <p:nvSpPr>
+          <p:cNvPr id="13" name="文本框 12"/>
+          <p:cNvSpPr txBox="1"/>
+          <p:nvPr/>
+        </p:nvSpPr>
+        <p:spPr>
+          <a:xfrm>
+            <a:off x="8759190" y="5144770"/>
+            <a:ext cx="1739900" cy="460375"/>
+          </a:xfrm>
+          <a:prstGeom prst="rect">
+            <a:avLst/>
+          </a:prstGeom>
+        </p:spPr>
+        <p:style>
+          <a:lnRef idx="2">
+            <a:schemeClr val="dk1"/>
+          </a:lnRef>
+          <a:fillRef idx="1">
+            <a:schemeClr val="lt1"/>
+          </a:fillRef>
+          <a:effectRef idx="0">
+            <a:schemeClr val="dk1"/>
+          </a:effectRef>
+          <a:fontRef idx="minor">
+            <a:schemeClr val="dk1"/>
+          </a:fontRef>
+        </p:style>
+        <p:txBody>
+          <a:bodyPr wrap="square" rtlCol="0">
+            <a:spAutoFit/>
+          </a:bodyPr>
+          <a:lstStyle/>
+          <a:p>
+            <a:r>
+              <a:rPr lang="en-US" altLang="zh-CN" sz="2400">
+                <a:latin typeface="楷体" panose="02010609060101010101" charset="-122"/>
+                <a:ea typeface="楷体" panose="02010609060101010101" charset="-122"/>
+              </a:rPr>
+              <a:t>  </a:t>
+            </a:r>
+            <a:r>
+              <a:rPr lang="zh-CN" altLang="en-US" sz="2400">
+                <a:latin typeface="楷体" panose="02010609060101010101" charset="-122"/>
+                <a:ea typeface="楷体" panose="02010609060101010101" charset="-122"/>
+              </a:rPr>
               <a:t>课程表</a:t>
             </a:r>
           </a:p>
@@ -3444,53 +3430,61 @@
       </p:sp>
       <p:sp>
         <p:nvSpPr>
-          <p:cNvPr id="3" name="内容占位符 2">
-            <a:extLst>
-              <a:ext uri="{FF2B5EF4-FFF2-40B4-BE49-F238E27FC236}">
-                <a16:creationId xmlns:a16="http://schemas.microsoft.com/office/drawing/2014/main" id="{9902DB4E-0074-4896-B5F0-690CCF747530}"/>
-              </a:ext>
-            </a:extLst>
-          </p:cNvPr>
-          <p:cNvSpPr>
-            <a:spLocks noGrp="1"/>
-          </p:cNvSpPr>
-          <p:nvPr>
-            <p:ph idx="1"/>
-          </p:nvPr>
-        </p:nvSpPr>
-        <p:spPr/>
-        <p:txBody>
-          <a:bodyPr/>
-          <a:lstStyle/>
-          <a:p>
-            <a:r>
-              <a:rPr lang="zh-CN" altLang="en-US" dirty="0"/>
-              <a:t>开学统一录入，不同学期存放在不同表单</a:t>
-            </a:r>
-            <a:r>
-              <a:rPr lang="en-US" altLang="zh-CN" dirty="0"/>
-              <a:t>/</a:t>
-            </a:r>
-            <a:r>
-              <a:rPr lang="zh-CN" altLang="en-US" dirty="0"/>
-              <a:t>覆盖（考虑一下？）</a:t>
-            </a:r>
-            <a:endParaRPr lang="en-US" altLang="zh-CN" dirty="0"/>
-          </a:p>
-          <a:p>
-            <a:r>
-              <a:rPr lang="zh-CN" altLang="en-US" dirty="0"/>
-              <a:t>数据库读取</a:t>
-            </a:r>
+          <p:cNvPr id="14" name="文本框 13"/>
+          <p:cNvSpPr txBox="1"/>
+          <p:nvPr/>
+        </p:nvSpPr>
+        <p:spPr>
+          <a:xfrm>
+            <a:off x="861060" y="520065"/>
+            <a:ext cx="5168900" cy="368300"/>
+          </a:xfrm>
+          <a:prstGeom prst="rect">
+            <a:avLst/>
+          </a:prstGeom>
+          <a:noFill/>
+        </p:spPr>
+        <p:txBody>
+          <a:bodyPr wrap="none" rtlCol="0" anchor="t">
+            <a:spAutoFit/>
+          </a:bodyPr>
+          <a:lstStyle/>
+          <a:p>
+            <a:r>
+              <a:rPr lang="zh-CN" altLang="en-US" dirty="0">
+                <a:sym typeface="+mn-ea"/>
+              </a:rPr>
+              <a:t>该管理系统使用</a:t>
+            </a:r>
+            <a:r>
+              <a:rPr lang="en-US" altLang="zh-CN" dirty="0">
+                <a:sym typeface="+mn-ea"/>
+              </a:rPr>
+              <a:t>Qt Creator</a:t>
+            </a:r>
+            <a:r>
+              <a:rPr lang="zh-CN" altLang="en-US" dirty="0">
+                <a:sym typeface="+mn-ea"/>
+              </a:rPr>
+              <a:t>制作，使用</a:t>
+            </a:r>
+            <a:r>
+              <a:rPr lang="en-US" altLang="zh-CN" dirty="0" err="1">
+                <a:sym typeface="+mn-ea"/>
+              </a:rPr>
+              <a:t>sqlite</a:t>
+            </a:r>
+            <a:r>
+              <a:rPr lang="zh-CN" altLang="en-US" dirty="0">
+                <a:sym typeface="+mn-ea"/>
+              </a:rPr>
+              <a:t>数据库</a:t>
+            </a:r>
+            <a:endParaRPr lang="zh-CN" altLang="en-US"/>
           </a:p>
         </p:txBody>
       </p:sp>
     </p:spTree>
-    <p:extLst>
-      <p:ext uri="{BB962C8B-B14F-4D97-AF65-F5344CB8AC3E}">
-        <p14:creationId xmlns:p14="http://schemas.microsoft.com/office/powerpoint/2010/main" val="839943002"/>
-      </p:ext>
-    </p:extLst>
   </p:cSld>
   <p:clrMapOvr>
     <a:masterClrMapping/>
@@ -3501,6 +3495,14 @@
 <file path=ppt/slides/slide3.xml><?xml version="1.0" encoding="utf-8"?>
 <p:sld xmlns:a="http://schemas.openxmlformats.org/drawingml/2006/main" xmlns:r="http://schemas.openxmlformats.org/officeDocument/2006/relationships" xmlns:p="http://schemas.openxmlformats.org/presentationml/2006/main">
   <p:cSld>
+    <p:bg>
+      <p:bgPr>
+        <a:solidFill>
+          <a:schemeClr val="bg1"/>
+        </a:solidFill>
+        <a:effectLst/>
+      </p:bgPr>
+    </p:bg>
     <p:spTree>
       <p:nvGrpSpPr>
         <p:cNvPr id="1" name=""/>
@@ -3515,190 +3517,184 @@
           <a:chExt cx="0" cy="0"/>
         </a:xfrm>
       </p:grpSpPr>
-      <p:sp>
-        <p:nvSpPr>
-          <p:cNvPr id="2" name="标题 1">
-            <a:extLst>
-              <a:ext uri="{FF2B5EF4-FFF2-40B4-BE49-F238E27FC236}">
-                <a16:creationId xmlns:a16="http://schemas.microsoft.com/office/drawing/2014/main" id="{08DDF66D-419C-402B-86C2-6D595CAE4ED3}"/>
-              </a:ext>
-            </a:extLst>
-          </p:cNvPr>
-          <p:cNvSpPr>
-            <a:spLocks noGrp="1"/>
-          </p:cNvSpPr>
-          <p:nvPr>
-            <p:ph type="title"/>
-          </p:nvPr>
-        </p:nvSpPr>
-        <p:spPr/>
-        <p:txBody>
-          <a:bodyPr/>
-          <a:lstStyle/>
-          <a:p>
+      <p:pic>
+        <p:nvPicPr>
+          <p:cNvPr id="2" name="图片 1" descr="大作业-首页"/>
+          <p:cNvPicPr>
+            <a:picLocks noChangeAspect="1"/>
+          </p:cNvPicPr>
+          <p:nvPr>
+            <p:custDataLst>
+              <p:tags r:id="rId1"/>
+            </p:custDataLst>
+          </p:nvPr>
+        </p:nvPicPr>
+        <p:blipFill>
+          <a:blip r:embed="rId3"/>
+          <a:stretch>
+            <a:fillRect/>
+          </a:stretch>
+        </p:blipFill>
+        <p:spPr>
+          <a:xfrm>
+            <a:off x="2134870" y="1606550"/>
+            <a:ext cx="7378700" cy="4585970"/>
+          </a:xfrm>
+          <a:prstGeom prst="rect">
+            <a:avLst/>
+          </a:prstGeom>
+        </p:spPr>
+      </p:pic>
+      <p:sp>
+        <p:nvSpPr>
+          <p:cNvPr id="6" name="标注: 弯曲线形(无边框) 5"/>
+          <p:cNvSpPr/>
+          <p:nvPr/>
+        </p:nvSpPr>
+        <p:spPr>
+          <a:xfrm>
+            <a:off x="0" y="4882718"/>
+            <a:ext cx="1464816" cy="843379"/>
+          </a:xfrm>
+          <a:prstGeom prst="callout2">
+            <a:avLst>
+              <a:gd name="adj1" fmla="val 22548"/>
+              <a:gd name="adj2" fmla="val 95437"/>
+              <a:gd name="adj3" fmla="val 22548"/>
+              <a:gd name="adj4" fmla="val 130984"/>
+              <a:gd name="adj5" fmla="val 65864"/>
+              <a:gd name="adj6" fmla="val 175094"/>
+            </a:avLst>
+          </a:prstGeom>
+        </p:spPr>
+        <p:style>
+          <a:lnRef idx="2">
+            <a:schemeClr val="dk1"/>
+          </a:lnRef>
+          <a:fillRef idx="1">
+            <a:schemeClr val="lt1"/>
+          </a:fillRef>
+          <a:effectRef idx="0">
+            <a:schemeClr val="dk1"/>
+          </a:effectRef>
+          <a:fontRef idx="minor">
+            <a:schemeClr val="dk1"/>
+          </a:fontRef>
+        </p:style>
+        <p:txBody>
+          <a:bodyPr rtlCol="0" anchor="ctr"/>
+          <a:lstStyle/>
+          <a:p>
+            <a:pPr algn="ctr"/>
             <a:r>
               <a:rPr lang="zh-CN" altLang="en-US" dirty="0"/>
-              <a:t>作业</a:t>
-            </a:r>
-            <a:r>
-              <a:rPr lang="en-US" altLang="zh-CN" dirty="0"/>
-              <a:t>+</a:t>
-            </a:r>
+              <a:t>“自习”按钮切换至回家作业界面</a:t>
+            </a:r>
+          </a:p>
+        </p:txBody>
+      </p:sp>
+      <p:sp>
+        <p:nvSpPr>
+          <p:cNvPr id="7" name="标注: 弯曲线形(无边框) 6"/>
+          <p:cNvSpPr/>
+          <p:nvPr/>
+        </p:nvSpPr>
+        <p:spPr>
+          <a:xfrm>
+            <a:off x="9894162" y="1997475"/>
+            <a:ext cx="1464816" cy="843379"/>
+          </a:xfrm>
+          <a:prstGeom prst="callout2">
+            <a:avLst>
+              <a:gd name="adj1" fmla="val 23601"/>
+              <a:gd name="adj2" fmla="val 5134"/>
+              <a:gd name="adj3" fmla="val 23601"/>
+              <a:gd name="adj4" fmla="val -9016"/>
+              <a:gd name="adj5" fmla="val 91127"/>
+              <a:gd name="adj6" fmla="val -41270"/>
+            </a:avLst>
+          </a:prstGeom>
+        </p:spPr>
+        <p:style>
+          <a:lnRef idx="2">
+            <a:schemeClr val="dk1"/>
+          </a:lnRef>
+          <a:fillRef idx="1">
+            <a:schemeClr val="lt1"/>
+          </a:fillRef>
+          <a:effectRef idx="0">
+            <a:schemeClr val="dk1"/>
+          </a:effectRef>
+          <a:fontRef idx="minor">
+            <a:schemeClr val="dk1"/>
+          </a:fontRef>
+        </p:style>
+        <p:txBody>
+          <a:bodyPr rtlCol="0" anchor="ctr"/>
+          <a:lstStyle/>
+          <a:p>
+            <a:pPr algn="ctr"/>
             <a:r>
               <a:rPr lang="zh-CN" altLang="en-US" dirty="0"/>
-              <a:t>值日生表</a:t>
-            </a:r>
-          </a:p>
-        </p:txBody>
-      </p:sp>
-      <p:sp>
-        <p:nvSpPr>
-          <p:cNvPr id="4" name="文本占位符 3">
-            <a:extLst>
-              <a:ext uri="{FF2B5EF4-FFF2-40B4-BE49-F238E27FC236}">
-                <a16:creationId xmlns:a16="http://schemas.microsoft.com/office/drawing/2014/main" id="{0DD598FC-2325-406D-AB4E-E53113A61D13}"/>
-              </a:ext>
-            </a:extLst>
-          </p:cNvPr>
-          <p:cNvSpPr>
-            <a:spLocks noGrp="1"/>
-          </p:cNvSpPr>
-          <p:nvPr>
-            <p:ph type="body" idx="1"/>
-          </p:nvPr>
-        </p:nvSpPr>
-        <p:spPr/>
-        <p:txBody>
-          <a:bodyPr/>
-          <a:lstStyle/>
-          <a:p>
-            <a:r>
-              <a:rPr lang="zh-CN" altLang="en-US" dirty="0"/>
-              <a:t>作业</a:t>
-            </a:r>
-          </a:p>
-        </p:txBody>
-      </p:sp>
-      <p:sp>
-        <p:nvSpPr>
-          <p:cNvPr id="5" name="内容占位符 4">
-            <a:extLst>
-              <a:ext uri="{FF2B5EF4-FFF2-40B4-BE49-F238E27FC236}">
-                <a16:creationId xmlns:a16="http://schemas.microsoft.com/office/drawing/2014/main" id="{8CB4EEA6-5534-40C2-A62C-A82F5B5D99B7}"/>
-              </a:ext>
-            </a:extLst>
-          </p:cNvPr>
-          <p:cNvSpPr>
-            <a:spLocks noGrp="1"/>
-          </p:cNvSpPr>
-          <p:nvPr>
-            <p:ph sz="half" idx="2"/>
-          </p:nvPr>
-        </p:nvSpPr>
-        <p:spPr/>
-        <p:txBody>
-          <a:bodyPr/>
-          <a:lstStyle/>
-          <a:p>
-            <a:r>
-              <a:rPr lang="zh-CN" altLang="en-US" dirty="0"/>
-              <a:t>时钟 数字</a:t>
-            </a:r>
-            <a:r>
-              <a:rPr lang="en-US" altLang="zh-CN" dirty="0"/>
-              <a:t>+</a:t>
-            </a:r>
-            <a:r>
-              <a:rPr lang="zh-CN" altLang="en-US" dirty="0"/>
-              <a:t>模拟</a:t>
-            </a:r>
-            <a:endParaRPr lang="en-US" altLang="zh-CN" dirty="0"/>
-          </a:p>
-          <a:p>
-            <a:r>
-              <a:rPr lang="zh-CN" altLang="en-US" dirty="0"/>
-              <a:t>日期 星期</a:t>
-            </a:r>
-            <a:endParaRPr lang="en-US" altLang="zh-CN" dirty="0"/>
-          </a:p>
-          <a:p>
-            <a:r>
-              <a:rPr lang="zh-CN" altLang="en-US" dirty="0"/>
-              <a:t>科目标题下作业条目 上交时限为明天的标黄</a:t>
-            </a:r>
-            <a:endParaRPr lang="en-US" altLang="zh-CN" dirty="0"/>
-          </a:p>
-          <a:p>
-            <a:r>
-              <a:rPr lang="zh-CN" altLang="en-US" dirty="0"/>
-              <a:t>定点公布 每日存储</a:t>
-            </a:r>
-            <a:endParaRPr lang="en-US" altLang="zh-CN" dirty="0"/>
-          </a:p>
-        </p:txBody>
-      </p:sp>
-      <p:sp>
-        <p:nvSpPr>
-          <p:cNvPr id="6" name="文本占位符 5">
-            <a:extLst>
-              <a:ext uri="{FF2B5EF4-FFF2-40B4-BE49-F238E27FC236}">
-                <a16:creationId xmlns:a16="http://schemas.microsoft.com/office/drawing/2014/main" id="{D5310885-1D60-4554-A2E4-106C8B25AE33}"/>
-              </a:ext>
-            </a:extLst>
-          </p:cNvPr>
-          <p:cNvSpPr>
-            <a:spLocks noGrp="1"/>
-          </p:cNvSpPr>
-          <p:nvPr>
-            <p:ph type="body" sz="quarter" idx="3"/>
-          </p:nvPr>
-        </p:nvSpPr>
-        <p:spPr/>
-        <p:txBody>
-          <a:bodyPr/>
-          <a:lstStyle/>
-          <a:p>
-            <a:r>
-              <a:rPr lang="zh-CN" altLang="en-US" dirty="0"/>
-              <a:t>值日生</a:t>
-            </a:r>
-          </a:p>
-        </p:txBody>
-      </p:sp>
-      <p:sp>
-        <p:nvSpPr>
-          <p:cNvPr id="7" name="内容占位符 6">
-            <a:extLst>
-              <a:ext uri="{FF2B5EF4-FFF2-40B4-BE49-F238E27FC236}">
-                <a16:creationId xmlns:a16="http://schemas.microsoft.com/office/drawing/2014/main" id="{12DC3B6B-31A6-4B4C-822D-B944C0D6CB0E}"/>
-              </a:ext>
-            </a:extLst>
-          </p:cNvPr>
-          <p:cNvSpPr>
-            <a:spLocks noGrp="1"/>
-          </p:cNvSpPr>
-          <p:nvPr>
-            <p:ph sz="quarter" idx="4"/>
-          </p:nvPr>
-        </p:nvSpPr>
-        <p:spPr/>
-        <p:txBody>
-          <a:bodyPr/>
-          <a:lstStyle/>
-          <a:p>
-            <a:r>
-              <a:rPr lang="zh-CN" altLang="en-US" dirty="0"/>
-              <a:t>读取数据库</a:t>
+              <a:t>起止时间</a:t>
+            </a:r>
+            <a:r>
+              <a:rPr lang="zh-CN" altLang="en-US"/>
+              <a:t>及课程</a:t>
+            </a:r>
+            <a:endParaRPr lang="zh-CN" altLang="en-US" dirty="0"/>
+          </a:p>
+        </p:txBody>
+      </p:sp>
+      <p:sp>
+        <p:nvSpPr>
+          <p:cNvPr id="4" name="矩形 3"/>
+          <p:cNvSpPr/>
+          <p:nvPr/>
+        </p:nvSpPr>
+        <p:spPr>
+          <a:xfrm>
+            <a:off x="1818640" y="407670"/>
+            <a:ext cx="7498080" cy="1198880"/>
+          </a:xfrm>
+          <a:prstGeom prst="rect">
+            <a:avLst/>
+          </a:prstGeom>
+          <a:noFill/>
+          <a:ln>
+            <a:noFill/>
+          </a:ln>
+        </p:spPr>
+        <p:txBody>
+          <a:bodyPr wrap="square" rtlCol="0" anchor="t">
+            <a:spAutoFit/>
+            <a:scene3d>
+              <a:camera prst="orthographicFront"/>
+              <a:lightRig rig="threePt" dir="t"/>
+            </a:scene3d>
+          </a:bodyPr>
+          <a:lstStyle/>
+          <a:p>
+            <a:pPr algn="ctr"/>
+            <a:r>
+              <a:rPr lang="zh-CN" altLang="en-US" sz="7200" b="1">
+                <a:solidFill>
+                  <a:schemeClr val="tx1"/>
+                </a:solidFill>
+                <a:effectLst>
+                  <a:outerShdw blurRad="38100" dist="19050" dir="2700000" algn="tl" rotWithShape="0">
+                    <a:schemeClr val="dk1">
+                      <a:alpha val="40000"/>
+                    </a:schemeClr>
+                  </a:outerShdw>
+                </a:effectLst>
+              </a:rPr>
+              <a:t>主页面</a:t>
             </a:r>
           </a:p>
         </p:txBody>
       </p:sp>
     </p:spTree>
-    <p:extLst>
-      <p:ext uri="{BB962C8B-B14F-4D97-AF65-F5344CB8AC3E}">
-        <p14:creationId xmlns:p14="http://schemas.microsoft.com/office/powerpoint/2010/main" val="1191043244"/>
-      </p:ext>
-    </p:extLst>
   </p:cSld>
   <p:clrMapOvr>
     <a:masterClrMapping/>
@@ -3723,82 +3719,267 @@
           <a:chExt cx="0" cy="0"/>
         </a:xfrm>
       </p:grpSpPr>
-      <p:sp>
-        <p:nvSpPr>
-          <p:cNvPr id="2" name="标题 1">
-            <a:extLst>
-              <a:ext uri="{FF2B5EF4-FFF2-40B4-BE49-F238E27FC236}">
-                <a16:creationId xmlns:a16="http://schemas.microsoft.com/office/drawing/2014/main" id="{E0551281-40DF-4940-907F-70F46BCB408F}"/>
-              </a:ext>
-            </a:extLst>
-          </p:cNvPr>
-          <p:cNvSpPr>
-            <a:spLocks noGrp="1"/>
-          </p:cNvSpPr>
-          <p:nvPr>
-            <p:ph type="title"/>
-          </p:nvPr>
-        </p:nvSpPr>
-        <p:spPr/>
-        <p:txBody>
-          <a:bodyPr/>
-          <a:lstStyle/>
-          <a:p>
+      <p:pic>
+        <p:nvPicPr>
+          <p:cNvPr id="3" name="图片 2" descr="大作业-自习课界面"/>
+          <p:cNvPicPr>
+            <a:picLocks noChangeAspect="1"/>
+          </p:cNvPicPr>
+          <p:nvPr/>
+        </p:nvPicPr>
+        <p:blipFill>
+          <a:blip r:embed="rId2"/>
+          <a:stretch>
+            <a:fillRect/>
+          </a:stretch>
+        </p:blipFill>
+        <p:spPr>
+          <a:xfrm>
+            <a:off x="1907540" y="1606550"/>
+            <a:ext cx="8183880" cy="4651375"/>
+          </a:xfrm>
+          <a:prstGeom prst="rect">
+            <a:avLst/>
+          </a:prstGeom>
+        </p:spPr>
+      </p:pic>
+      <p:sp>
+        <p:nvSpPr>
+          <p:cNvPr id="7" name="标注: 弯曲线形(无边框) 6"/>
+          <p:cNvSpPr/>
+          <p:nvPr/>
+        </p:nvSpPr>
+        <p:spPr>
+          <a:xfrm>
+            <a:off x="0" y="1322773"/>
+            <a:ext cx="1651247" cy="568171"/>
+          </a:xfrm>
+          <a:prstGeom prst="callout2">
+            <a:avLst>
+              <a:gd name="adj1" fmla="val 50000"/>
+              <a:gd name="adj2" fmla="val 91840"/>
+              <a:gd name="adj3" fmla="val 51562"/>
+              <a:gd name="adj4" fmla="val 121231"/>
+              <a:gd name="adj5" fmla="val 128125"/>
+              <a:gd name="adj6" fmla="val 161408"/>
+            </a:avLst>
+          </a:prstGeom>
+        </p:spPr>
+        <p:style>
+          <a:lnRef idx="2">
+            <a:schemeClr val="dk1"/>
+          </a:lnRef>
+          <a:fillRef idx="1">
+            <a:schemeClr val="lt1"/>
+          </a:fillRef>
+          <a:effectRef idx="0">
+            <a:schemeClr val="dk1"/>
+          </a:effectRef>
+          <a:fontRef idx="minor">
+            <a:schemeClr val="dk1"/>
+          </a:fontRef>
+        </p:style>
+        <p:txBody>
+          <a:bodyPr rtlCol="0" anchor="ctr"/>
+          <a:lstStyle/>
+          <a:p>
+            <a:pPr algn="ctr"/>
             <a:r>
               <a:rPr lang="zh-CN" altLang="en-US" dirty="0"/>
-              <a:t>联系老师</a:t>
-            </a:r>
-          </a:p>
-        </p:txBody>
-      </p:sp>
-      <p:sp>
-        <p:nvSpPr>
-          <p:cNvPr id="3" name="内容占位符 2">
-            <a:extLst>
-              <a:ext uri="{FF2B5EF4-FFF2-40B4-BE49-F238E27FC236}">
-                <a16:creationId xmlns:a16="http://schemas.microsoft.com/office/drawing/2014/main" id="{ACEE253E-CF11-4B2F-9F18-BF6671ED4FC5}"/>
-              </a:ext>
-            </a:extLst>
-          </p:cNvPr>
-          <p:cNvSpPr>
-            <a:spLocks noGrp="1"/>
-          </p:cNvSpPr>
-          <p:nvPr>
-            <p:ph idx="1"/>
-          </p:nvPr>
-        </p:nvSpPr>
-        <p:spPr/>
-        <p:txBody>
-          <a:bodyPr/>
-          <a:lstStyle/>
-          <a:p>
+              <a:t>显示日期时间</a:t>
+            </a:r>
+          </a:p>
+        </p:txBody>
+      </p:sp>
+      <p:sp>
+        <p:nvSpPr>
+          <p:cNvPr id="8" name="标注: 弯曲线形(无边框) 7"/>
+          <p:cNvSpPr/>
+          <p:nvPr/>
+        </p:nvSpPr>
+        <p:spPr>
+          <a:xfrm>
+            <a:off x="93215" y="2814221"/>
+            <a:ext cx="1464816" cy="843379"/>
+          </a:xfrm>
+          <a:prstGeom prst="callout2">
+            <a:avLst>
+              <a:gd name="adj1" fmla="val 22548"/>
+              <a:gd name="adj2" fmla="val 95437"/>
+              <a:gd name="adj3" fmla="val 22548"/>
+              <a:gd name="adj4" fmla="val 130984"/>
+              <a:gd name="adj5" fmla="val 65864"/>
+              <a:gd name="adj6" fmla="val 175094"/>
+            </a:avLst>
+          </a:prstGeom>
+        </p:spPr>
+        <p:style>
+          <a:lnRef idx="2">
+            <a:schemeClr val="dk1"/>
+          </a:lnRef>
+          <a:fillRef idx="1">
+            <a:schemeClr val="lt1"/>
+          </a:fillRef>
+          <a:effectRef idx="0">
+            <a:schemeClr val="dk1"/>
+          </a:effectRef>
+          <a:fontRef idx="minor">
+            <a:schemeClr val="dk1"/>
+          </a:fontRef>
+        </p:style>
+        <p:txBody>
+          <a:bodyPr rtlCol="0" anchor="ctr"/>
+          <a:lstStyle/>
+          <a:p>
+            <a:pPr algn="ctr"/>
             <a:r>
               <a:rPr lang="zh-CN" altLang="en-US" dirty="0"/>
-              <a:t>局域网 老师登录</a:t>
-            </a:r>
-            <a:endParaRPr lang="en-US" altLang="zh-CN" dirty="0"/>
-          </a:p>
-          <a:p>
+              <a:t>读取数据库显示当天值日生分工</a:t>
+            </a:r>
+          </a:p>
+        </p:txBody>
+      </p:sp>
+      <p:sp>
+        <p:nvSpPr>
+          <p:cNvPr id="9" name="标注: 弯曲线形(无边框) 8"/>
+          <p:cNvSpPr/>
+          <p:nvPr/>
+        </p:nvSpPr>
+        <p:spPr>
+          <a:xfrm>
+            <a:off x="93215" y="4830932"/>
+            <a:ext cx="1464816" cy="843379"/>
+          </a:xfrm>
+          <a:prstGeom prst="callout2">
+            <a:avLst>
+              <a:gd name="adj1" fmla="val 22548"/>
+              <a:gd name="adj2" fmla="val 95437"/>
+              <a:gd name="adj3" fmla="val 22548"/>
+              <a:gd name="adj4" fmla="val 130984"/>
+              <a:gd name="adj5" fmla="val 65864"/>
+              <a:gd name="adj6" fmla="val 175094"/>
+            </a:avLst>
+          </a:prstGeom>
+        </p:spPr>
+        <p:style>
+          <a:lnRef idx="2">
+            <a:schemeClr val="dk1"/>
+          </a:lnRef>
+          <a:fillRef idx="1">
+            <a:schemeClr val="lt1"/>
+          </a:fillRef>
+          <a:effectRef idx="0">
+            <a:schemeClr val="dk1"/>
+          </a:effectRef>
+          <a:fontRef idx="minor">
+            <a:schemeClr val="dk1"/>
+          </a:fontRef>
+        </p:style>
+        <p:txBody>
+          <a:bodyPr rtlCol="0" anchor="ctr"/>
+          <a:lstStyle/>
+          <a:p>
+            <a:pPr algn="ctr"/>
             <a:r>
               <a:rPr lang="zh-CN" altLang="en-US" dirty="0"/>
-              <a:t>向数据库写入作业条目</a:t>
-            </a:r>
-            <a:endParaRPr lang="en-US" altLang="zh-CN" dirty="0"/>
-          </a:p>
-          <a:p>
+              <a:t>“上课”切换至课程表界面，“录入作业”切换至作业录入界面，“退出”关闭窗口</a:t>
+            </a:r>
+          </a:p>
+        </p:txBody>
+      </p:sp>
+      <p:sp>
+        <p:nvSpPr>
+          <p:cNvPr id="10" name="标注: 弯曲线形(无边框) 9"/>
+          <p:cNvSpPr/>
+          <p:nvPr/>
+        </p:nvSpPr>
+        <p:spPr>
+          <a:xfrm>
+            <a:off x="10090950" y="1606858"/>
+            <a:ext cx="1689717" cy="843379"/>
+          </a:xfrm>
+          <a:prstGeom prst="callout2">
+            <a:avLst>
+              <a:gd name="adj1" fmla="val 50969"/>
+              <a:gd name="adj2" fmla="val 2265"/>
+              <a:gd name="adj3" fmla="val 49916"/>
+              <a:gd name="adj4" fmla="val -15563"/>
+              <a:gd name="adj5" fmla="val 92180"/>
+              <a:gd name="adj6" fmla="val -67936"/>
+            </a:avLst>
+          </a:prstGeom>
+        </p:spPr>
+        <p:style>
+          <a:lnRef idx="2">
+            <a:schemeClr val="dk1"/>
+          </a:lnRef>
+          <a:fillRef idx="1">
+            <a:schemeClr val="lt1"/>
+          </a:fillRef>
+          <a:effectRef idx="0">
+            <a:schemeClr val="dk1"/>
+          </a:effectRef>
+          <a:fontRef idx="minor">
+            <a:schemeClr val="dk1"/>
+          </a:fontRef>
+        </p:style>
+        <p:txBody>
+          <a:bodyPr rtlCol="0" anchor="ctr"/>
+          <a:lstStyle/>
+          <a:p>
+            <a:pPr algn="ctr"/>
             <a:r>
               <a:rPr lang="zh-CN" altLang="en-US" dirty="0"/>
-              <a:t>上传课件（直接通过路由器放进去）</a:t>
+              <a:t>显示当天作业</a:t>
+            </a:r>
+          </a:p>
+        </p:txBody>
+      </p:sp>
+      <p:sp>
+        <p:nvSpPr>
+          <p:cNvPr id="5" name="矩形 4"/>
+          <p:cNvSpPr/>
+          <p:nvPr/>
+        </p:nvSpPr>
+        <p:spPr>
+          <a:xfrm>
+            <a:off x="3950970" y="501650"/>
+            <a:ext cx="3840480" cy="1198880"/>
+          </a:xfrm>
+          <a:prstGeom prst="rect">
+            <a:avLst/>
+          </a:prstGeom>
+          <a:noFill/>
+          <a:ln>
+            <a:noFill/>
+          </a:ln>
+        </p:spPr>
+        <p:txBody>
+          <a:bodyPr wrap="none" rtlCol="0" anchor="t">
+            <a:spAutoFit/>
+          </a:bodyPr>
+          <a:lstStyle/>
+          <a:p>
+            <a:pPr algn="ctr"/>
+            <a:r>
+              <a:rPr lang="zh-CN" altLang="en-US" sz="7200" b="1">
+                <a:solidFill>
+                  <a:schemeClr val="tx1"/>
+                </a:solidFill>
+                <a:effectLst>
+                  <a:outerShdw blurRad="38100" dist="19050" dir="2700000" algn="tl" rotWithShape="0">
+                    <a:schemeClr val="dk1">
+                      <a:alpha val="40000"/>
+                    </a:schemeClr>
+                  </a:outerShdw>
+                </a:effectLst>
+              </a:rPr>
+              <a:t>作业界面</a:t>
             </a:r>
           </a:p>
         </p:txBody>
       </p:sp>
     </p:spTree>
-    <p:extLst>
-      <p:ext uri="{BB962C8B-B14F-4D97-AF65-F5344CB8AC3E}">
-        <p14:creationId xmlns:p14="http://schemas.microsoft.com/office/powerpoint/2010/main" val="3757953355"/>
-      </p:ext>
-    </p:extLst>
   </p:cSld>
   <p:clrMapOvr>
     <a:masterClrMapping/>
@@ -3823,121 +4004,296 @@
           <a:chExt cx="0" cy="0"/>
         </a:xfrm>
       </p:grpSpPr>
-      <p:sp>
-        <p:nvSpPr>
-          <p:cNvPr id="2" name="标题 1">
-            <a:extLst>
-              <a:ext uri="{FF2B5EF4-FFF2-40B4-BE49-F238E27FC236}">
-                <a16:creationId xmlns:a16="http://schemas.microsoft.com/office/drawing/2014/main" id="{3C3F223B-6037-41C4-B73E-9BD4711EB301}"/>
-              </a:ext>
-            </a:extLst>
-          </p:cNvPr>
-          <p:cNvSpPr>
-            <a:spLocks noGrp="1"/>
-          </p:cNvSpPr>
-          <p:nvPr>
-            <p:ph type="title"/>
-          </p:nvPr>
-        </p:nvSpPr>
-        <p:spPr/>
-        <p:txBody>
-          <a:bodyPr/>
-          <a:lstStyle/>
-          <a:p>
+      <p:pic>
+        <p:nvPicPr>
+          <p:cNvPr id="2" name="图片 1" descr="大作业-录入作业"/>
+          <p:cNvPicPr>
+            <a:picLocks noChangeAspect="1"/>
+          </p:cNvPicPr>
+          <p:nvPr>
+            <p:custDataLst>
+              <p:tags r:id="rId1"/>
+            </p:custDataLst>
+          </p:nvPr>
+        </p:nvPicPr>
+        <p:blipFill>
+          <a:blip r:embed="rId3"/>
+          <a:stretch>
+            <a:fillRect/>
+          </a:stretch>
+        </p:blipFill>
+        <p:spPr>
+          <a:xfrm>
+            <a:off x="970280" y="1387475"/>
+            <a:ext cx="7115175" cy="4773295"/>
+          </a:xfrm>
+          <a:prstGeom prst="rect">
+            <a:avLst/>
+          </a:prstGeom>
+        </p:spPr>
+      </p:pic>
+      <p:sp>
+        <p:nvSpPr>
+          <p:cNvPr id="5" name="标注: 弯曲线形(无边框) 4"/>
+          <p:cNvSpPr/>
+          <p:nvPr/>
+        </p:nvSpPr>
+        <p:spPr>
+          <a:xfrm>
+            <a:off x="8141015" y="1559560"/>
+            <a:ext cx="2240280" cy="552450"/>
+          </a:xfrm>
+          <a:prstGeom prst="callout2">
+            <a:avLst>
+              <a:gd name="adj1" fmla="val 46759"/>
+              <a:gd name="adj2" fmla="val 6347"/>
+              <a:gd name="adj3" fmla="val 46758"/>
+              <a:gd name="adj4" fmla="val -22349"/>
+              <a:gd name="adj5" fmla="val 290446"/>
+              <a:gd name="adj6" fmla="val -142646"/>
+            </a:avLst>
+          </a:prstGeom>
+          <a:ln/>
+        </p:spPr>
+        <p:style>
+          <a:lnRef idx="2">
+            <a:schemeClr val="dk1"/>
+          </a:lnRef>
+          <a:fillRef idx="1">
+            <a:schemeClr val="lt1"/>
+          </a:fillRef>
+          <a:effectRef idx="0">
+            <a:schemeClr val="dk1"/>
+          </a:effectRef>
+          <a:fontRef idx="minor">
+            <a:schemeClr val="dk1"/>
+          </a:fontRef>
+        </p:style>
+        <p:txBody>
+          <a:bodyPr rtlCol="0" anchor="ctr"/>
+          <a:lstStyle/>
+          <a:p>
+            <a:pPr algn="ctr"/>
             <a:r>
               <a:rPr lang="zh-CN" altLang="en-US" dirty="0"/>
-              <a:t>定时开关机</a:t>
-            </a:r>
-          </a:p>
-        </p:txBody>
-      </p:sp>
-      <p:sp>
-        <p:nvSpPr>
-          <p:cNvPr id="3" name="内容占位符 2">
-            <a:extLst>
-              <a:ext uri="{FF2B5EF4-FFF2-40B4-BE49-F238E27FC236}">
-                <a16:creationId xmlns:a16="http://schemas.microsoft.com/office/drawing/2014/main" id="{A32B69A2-E312-43C5-9914-7F57874B7AB4}"/>
-              </a:ext>
-            </a:extLst>
-          </p:cNvPr>
-          <p:cNvSpPr>
-            <a:spLocks noGrp="1"/>
-          </p:cNvSpPr>
-          <p:nvPr>
-            <p:ph idx="1"/>
-          </p:nvPr>
-        </p:nvSpPr>
-        <p:spPr/>
-        <p:txBody>
-          <a:bodyPr/>
-          <a:lstStyle/>
-          <a:p>
+              <a:t>下拉菜单</a:t>
+            </a:r>
+          </a:p>
+        </p:txBody>
+      </p:sp>
+      <p:sp>
+        <p:nvSpPr>
+          <p:cNvPr id="6" name="标注: 弯曲线形(无边框) 5"/>
+          <p:cNvSpPr/>
+          <p:nvPr/>
+        </p:nvSpPr>
+        <p:spPr>
+          <a:xfrm>
+            <a:off x="1901789" y="2840854"/>
+            <a:ext cx="1261110" cy="1379436"/>
+          </a:xfrm>
+          <a:prstGeom prst="callout2">
+            <a:avLst>
+              <a:gd name="adj1" fmla="val 22548"/>
+              <a:gd name="adj2" fmla="val 95437"/>
+              <a:gd name="adj3" fmla="val 22548"/>
+              <a:gd name="adj4" fmla="val 130984"/>
+              <a:gd name="adj5" fmla="val 65864"/>
+              <a:gd name="adj6" fmla="val 175094"/>
+            </a:avLst>
+          </a:prstGeom>
+        </p:spPr>
+        <p:style>
+          <a:lnRef idx="2">
+            <a:schemeClr val="dk1"/>
+          </a:lnRef>
+          <a:fillRef idx="1">
+            <a:schemeClr val="lt1"/>
+          </a:fillRef>
+          <a:effectRef idx="0">
+            <a:schemeClr val="dk1"/>
+          </a:effectRef>
+          <a:fontRef idx="minor">
+            <a:schemeClr val="dk1"/>
+          </a:fontRef>
+        </p:style>
+        <p:txBody>
+          <a:bodyPr rtlCol="0" anchor="ctr"/>
+          <a:lstStyle/>
+          <a:p>
+            <a:pPr algn="ctr"/>
             <a:r>
               <a:rPr lang="zh-CN" altLang="en-US" dirty="0"/>
-              <a:t>上午 </a:t>
-            </a:r>
-            <a:r>
-              <a:rPr lang="en-US" altLang="zh-CN" dirty="0"/>
-              <a:t>7:00</a:t>
-            </a:r>
+              <a:t>输入作业，将存入数据库（一天可多次更新）</a:t>
+            </a:r>
+          </a:p>
+        </p:txBody>
+      </p:sp>
+      <p:sp>
+        <p:nvSpPr>
+          <p:cNvPr id="7" name="标注: 弯曲线形(无边框) 6"/>
+          <p:cNvSpPr/>
+          <p:nvPr/>
+        </p:nvSpPr>
+        <p:spPr>
+          <a:xfrm>
+            <a:off x="8082052" y="3722370"/>
+            <a:ext cx="1464816" cy="843379"/>
+          </a:xfrm>
+          <a:prstGeom prst="callout2">
+            <a:avLst>
+              <a:gd name="adj1" fmla="val 21495"/>
+              <a:gd name="adj2" fmla="val 2710"/>
+              <a:gd name="adj3" fmla="val 21495"/>
+              <a:gd name="adj4" fmla="val -16895"/>
+              <a:gd name="adj5" fmla="val 137443"/>
+              <a:gd name="adj6" fmla="val -195815"/>
+            </a:avLst>
+          </a:prstGeom>
+        </p:spPr>
+        <p:style>
+          <a:lnRef idx="2">
+            <a:schemeClr val="dk1"/>
+          </a:lnRef>
+          <a:fillRef idx="1">
+            <a:schemeClr val="lt1"/>
+          </a:fillRef>
+          <a:effectRef idx="0">
+            <a:schemeClr val="dk1"/>
+          </a:effectRef>
+          <a:fontRef idx="minor">
+            <a:schemeClr val="dk1"/>
+          </a:fontRef>
+        </p:style>
+        <p:txBody>
+          <a:bodyPr rtlCol="0" anchor="ctr"/>
+          <a:lstStyle/>
+          <a:p>
+            <a:pPr algn="ctr"/>
             <a:r>
               <a:rPr lang="zh-CN" altLang="en-US" dirty="0"/>
-              <a:t>开机，显示课程表</a:t>
+              <a:t>“下一门”进入下一科目，“录入”关闭对话框</a:t>
+            </a:r>
+          </a:p>
+        </p:txBody>
+      </p:sp>
+      <p:sp>
+        <p:nvSpPr>
+          <p:cNvPr id="3" name="文本框 2"/>
+          <p:cNvSpPr txBox="1"/>
+          <p:nvPr/>
+        </p:nvSpPr>
+        <p:spPr>
+          <a:xfrm>
+            <a:off x="9097960" y="2155326"/>
+            <a:ext cx="2566670" cy="3692525"/>
+          </a:xfrm>
+          <a:prstGeom prst="rect">
+            <a:avLst/>
+          </a:prstGeom>
+          <a:noFill/>
+        </p:spPr>
+        <p:txBody>
+          <a:bodyPr wrap="square" rtlCol="0">
+            <a:spAutoFit/>
+          </a:bodyPr>
+          <a:lstStyle/>
+          <a:p>
+            <a:r>
+              <a:rPr lang="zh-CN" altLang="en-US" dirty="0">
+                <a:sym typeface="+mn-ea"/>
+              </a:rPr>
+              <a:t>“录入作业”按钮跳出作业对话框：</a:t>
             </a:r>
             <a:endParaRPr lang="en-US" altLang="zh-CN" dirty="0"/>
           </a:p>
           <a:p>
-            <a:r>
-              <a:rPr lang="zh-CN" altLang="en-US" dirty="0"/>
-              <a:t>活动课、自修课显示作业界面</a:t>
+            <a:pPr lvl="1"/>
+            <a:r>
+              <a:rPr lang="zh-CN" altLang="en-US" dirty="0">
+                <a:sym typeface="+mn-ea"/>
+              </a:rPr>
+              <a:t>选择科目，输入作业内容</a:t>
             </a:r>
             <a:endParaRPr lang="en-US" altLang="zh-CN" dirty="0"/>
           </a:p>
           <a:p>
-            <a:r>
-              <a:rPr lang="zh-CN" altLang="en-US" dirty="0"/>
-              <a:t>下午 </a:t>
-            </a:r>
-            <a:r>
-              <a:rPr lang="en-US" altLang="zh-CN" dirty="0"/>
-              <a:t>17:00</a:t>
-            </a:r>
-            <a:r>
-              <a:rPr lang="zh-CN" altLang="en-US" dirty="0"/>
-              <a:t>切换至作业界面</a:t>
+            <a:pPr lvl="1"/>
+            <a:r>
+              <a:rPr lang="zh-CN" altLang="en-US" dirty="0">
+                <a:sym typeface="+mn-ea"/>
+              </a:rPr>
+              <a:t>“下一门”按钮，重新选择科目，输入内容（可以还是刚才的那门</a:t>
             </a:r>
             <a:endParaRPr lang="en-US" altLang="zh-CN" dirty="0"/>
           </a:p>
           <a:p>
-            <a:r>
-              <a:rPr lang="zh-CN" altLang="en-US" dirty="0"/>
-              <a:t>晚上 </a:t>
-            </a:r>
-            <a:r>
-              <a:rPr lang="en-US" altLang="zh-CN" dirty="0"/>
-              <a:t>21:30</a:t>
-            </a:r>
-            <a:r>
-              <a:rPr lang="zh-CN" altLang="en-US" dirty="0"/>
-              <a:t>关机</a:t>
+            <a:pPr lvl="1"/>
+            <a:r>
+              <a:rPr lang="zh-CN" altLang="en-US" dirty="0">
+                <a:sym typeface="+mn-ea"/>
+              </a:rPr>
+              <a:t>“录入”按钮将输入内容写入数据库，关闭对话框</a:t>
             </a:r>
             <a:endParaRPr lang="en-US" altLang="zh-CN" dirty="0"/>
           </a:p>
           <a:p>
-            <a:r>
-              <a:rPr lang="zh-CN" altLang="en-US" dirty="0"/>
-              <a:t>具体时间可设置，这默认时间我就写来爽爽</a:t>
-            </a:r>
-            <a:endParaRPr lang="en-US" altLang="zh-CN" dirty="0"/>
+            <a:pPr lvl="1"/>
+            <a:r>
+              <a:rPr lang="zh-CN" altLang="en-US" dirty="0">
+                <a:sym typeface="+mn-ea"/>
+              </a:rPr>
+              <a:t>可多次录入，覆盖原有记录</a:t>
+            </a:r>
+            <a:endParaRPr lang="zh-CN" altLang="en-US" dirty="0"/>
+          </a:p>
+        </p:txBody>
+      </p:sp>
+      <p:sp>
+        <p:nvSpPr>
+          <p:cNvPr id="9" name="矩形 8"/>
+          <p:cNvSpPr/>
+          <p:nvPr/>
+        </p:nvSpPr>
+        <p:spPr>
+          <a:xfrm>
+            <a:off x="4244975" y="360680"/>
+            <a:ext cx="3840480" cy="1198880"/>
+          </a:xfrm>
+          <a:prstGeom prst="rect">
+            <a:avLst/>
+          </a:prstGeom>
+          <a:noFill/>
+          <a:ln>
+            <a:noFill/>
+          </a:ln>
+        </p:spPr>
+        <p:txBody>
+          <a:bodyPr wrap="none" rtlCol="0" anchor="t">
+            <a:spAutoFit/>
+          </a:bodyPr>
+          <a:lstStyle/>
+          <a:p>
+            <a:pPr algn="ctr"/>
+            <a:r>
+              <a:rPr lang="zh-CN" altLang="en-US" sz="7200" b="1">
+                <a:solidFill>
+                  <a:schemeClr val="tx1"/>
+                </a:solidFill>
+                <a:effectLst>
+                  <a:outerShdw blurRad="38100" dist="19050" dir="2700000" algn="tl" rotWithShape="0">
+                    <a:schemeClr val="dk1">
+                      <a:alpha val="40000"/>
+                    </a:schemeClr>
+                  </a:outerShdw>
+                </a:effectLst>
+              </a:rPr>
+              <a:t>作业录入</a:t>
+            </a:r>
           </a:p>
         </p:txBody>
       </p:sp>
     </p:spTree>
-    <p:extLst>
-      <p:ext uri="{BB962C8B-B14F-4D97-AF65-F5344CB8AC3E}">
-        <p14:creationId xmlns:p14="http://schemas.microsoft.com/office/powerpoint/2010/main" val="96177258"/>
-      </p:ext>
-    </p:extLst>
   </p:cSld>
   <p:clrMapOvr>
     <a:masterClrMapping/>
@@ -3946,6 +4302,125 @@
 </file>
 
 <file path=ppt/slides/slide6.xml><?xml version="1.0" encoding="utf-8"?>
+<p:sld xmlns:a="http://schemas.openxmlformats.org/drawingml/2006/main" xmlns:r="http://schemas.openxmlformats.org/officeDocument/2006/relationships" xmlns:p="http://schemas.openxmlformats.org/presentationml/2006/main">
+  <p:cSld>
+    <p:bg>
+      <p:bgPr>
+        <a:blipFill rotWithShape="1">
+          <a:blip r:embed="rId2"/>
+          <a:stretch>
+            <a:fillRect/>
+          </a:stretch>
+        </a:blipFill>
+        <a:effectLst/>
+      </p:bgPr>
+    </p:bg>
+    <p:spTree>
+      <p:nvGrpSpPr>
+        <p:cNvPr id="1" name=""/>
+        <p:cNvGrpSpPr/>
+        <p:nvPr/>
+      </p:nvGrpSpPr>
+      <p:grpSpPr>
+        <a:xfrm>
+          <a:off x="0" y="0"/>
+          <a:ext cx="0" cy="0"/>
+          <a:chOff x="0" y="0"/>
+          <a:chExt cx="0" cy="0"/>
+        </a:xfrm>
+      </p:grpSpPr>
+      <p:sp>
+        <p:nvSpPr>
+          <p:cNvPr id="2" name="标题 1"/>
+          <p:cNvSpPr>
+            <a:spLocks noGrp="1"/>
+          </p:cNvSpPr>
+          <p:nvPr>
+            <p:ph type="title"/>
+          </p:nvPr>
+        </p:nvSpPr>
+        <p:spPr/>
+        <p:txBody>
+          <a:bodyPr/>
+          <a:lstStyle/>
+          <a:p>
+            <a:r>
+              <a:rPr lang="zh-CN" altLang="en-US"/>
+              <a:t>待改进</a:t>
+            </a:r>
+          </a:p>
+        </p:txBody>
+      </p:sp>
+      <p:sp>
+        <p:nvSpPr>
+          <p:cNvPr id="3" name="内容占位符 2"/>
+          <p:cNvSpPr>
+            <a:spLocks noGrp="1"/>
+          </p:cNvSpPr>
+          <p:nvPr>
+            <p:ph idx="1"/>
+          </p:nvPr>
+        </p:nvSpPr>
+        <p:spPr/>
+        <p:txBody>
+          <a:bodyPr/>
+          <a:lstStyle/>
+          <a:p>
+            <a:r>
+              <a:rPr lang="zh-CN" altLang="en-US" dirty="0">
+                <a:sym typeface="+mn-ea"/>
+              </a:rPr>
+              <a:t>再次录入作业时可单独修改某一门</a:t>
+            </a:r>
+            <a:endParaRPr lang="en-US" altLang="zh-CN" dirty="0"/>
+          </a:p>
+          <a:p>
+            <a:endParaRPr lang="en-US" altLang="zh-CN" dirty="0"/>
+          </a:p>
+          <a:p>
+            <a:r>
+              <a:rPr lang="zh-CN" altLang="en-US" dirty="0">
+                <a:sym typeface="+mn-ea"/>
+              </a:rPr>
+              <a:t>工具栏“切换</a:t>
+            </a:r>
+            <a:r>
+              <a:rPr lang="en-US" altLang="zh-CN" dirty="0">
+                <a:sym typeface="+mn-ea"/>
+              </a:rPr>
+              <a:t>-</a:t>
+            </a:r>
+            <a:r>
+              <a:rPr lang="zh-CN" altLang="en-US" dirty="0">
+                <a:sym typeface="+mn-ea"/>
+              </a:rPr>
+              <a:t>联系老师”实现与教师端的连接，能向老师发送消息</a:t>
+            </a:r>
+            <a:endParaRPr lang="en-US" altLang="zh-CN" dirty="0"/>
+          </a:p>
+          <a:p>
+            <a:r>
+              <a:rPr lang="zh-CN" altLang="en-US" dirty="0">
+                <a:sym typeface="+mn-ea"/>
+              </a:rPr>
+              <a:t>连接同一局域网的教师能向教室一体机发送文件</a:t>
+            </a:r>
+            <a:endParaRPr lang="en-US" altLang="zh-CN" dirty="0"/>
+          </a:p>
+          <a:p>
+            <a:endParaRPr lang="zh-CN" altLang="en-US"/>
+          </a:p>
+        </p:txBody>
+      </p:sp>
+    </p:spTree>
+  </p:cSld>
+  <p:clrMapOvr>
+    <a:masterClrMapping/>
+  </p:clrMapOvr>
+</p:sld>
+</file>
+
+<file path=ppt/slides/slide7.xml><?xml version="1.0" encoding="utf-8"?>
 <p:sld xmlns:a="http://schemas.openxmlformats.org/drawingml/2006/main" xmlns:r="http://schemas.openxmlformats.org/officeDocument/2006/relationships" xmlns:p="http://schemas.openxmlformats.org/presentationml/2006/main">
   <p:cSld>
     <p:spTree>
@@ -3962,125 +4437,330 @@
           <a:chExt cx="0" cy="0"/>
         </a:xfrm>
       </p:grpSpPr>
-      <p:sp>
-        <p:nvSpPr>
-          <p:cNvPr id="2" name="标题 1">
-            <a:extLst>
-              <a:ext uri="{FF2B5EF4-FFF2-40B4-BE49-F238E27FC236}">
-                <a16:creationId xmlns:a16="http://schemas.microsoft.com/office/drawing/2014/main" id="{DE9E9ED3-2C2A-44D0-9201-6DA451F82195}"/>
-              </a:ext>
-            </a:extLst>
-          </p:cNvPr>
-          <p:cNvSpPr>
-            <a:spLocks noGrp="1"/>
-          </p:cNvSpPr>
-          <p:nvPr>
-            <p:ph type="title"/>
-          </p:nvPr>
-        </p:nvSpPr>
-        <p:spPr/>
-        <p:txBody>
-          <a:bodyPr/>
-          <a:lstStyle/>
-          <a:p>
-            <a:r>
-              <a:rPr lang="zh-CN" altLang="en-US" dirty="0"/>
-              <a:t>工作内容</a:t>
-            </a:r>
-          </a:p>
-        </p:txBody>
-      </p:sp>
-      <p:sp>
-        <p:nvSpPr>
-          <p:cNvPr id="3" name="内容占位符 2">
-            <a:extLst>
-              <a:ext uri="{FF2B5EF4-FFF2-40B4-BE49-F238E27FC236}">
-                <a16:creationId xmlns:a16="http://schemas.microsoft.com/office/drawing/2014/main" id="{3DB4495F-C90F-4C6B-BA74-B8B6B334D95E}"/>
-              </a:ext>
-            </a:extLst>
-          </p:cNvPr>
-          <p:cNvSpPr>
-            <a:spLocks noGrp="1"/>
-          </p:cNvSpPr>
+      <p:pic>
+        <p:nvPicPr>
+          <p:cNvPr id="4" name="内容占位符 3" descr="大作业-查看完整课程表"/>
+          <p:cNvPicPr>
+            <a:picLocks noGrp="1" noChangeAspect="1"/>
+          </p:cNvPicPr>
           <p:nvPr>
             <p:ph idx="1"/>
           </p:nvPr>
-        </p:nvSpPr>
-        <p:spPr/>
-        <p:txBody>
-          <a:bodyPr/>
-          <a:lstStyle/>
-          <a:p>
-            <a:r>
-              <a:rPr lang="zh-CN" altLang="en-US" dirty="0"/>
-              <a:t>界面外观设计</a:t>
-            </a:r>
-            <a:endParaRPr lang="en-US" altLang="zh-CN" dirty="0"/>
-          </a:p>
-          <a:p>
-            <a:r>
-              <a:rPr lang="zh-CN" altLang="en-US" dirty="0"/>
-              <a:t>图片收集处理</a:t>
-            </a:r>
-            <a:endParaRPr lang="en-US" altLang="zh-CN" dirty="0"/>
-          </a:p>
-          <a:p>
-            <a:r>
-              <a:rPr lang="zh-CN" altLang="en-US" dirty="0"/>
-              <a:t>数据库水</a:t>
-            </a:r>
-            <a:r>
-              <a:rPr lang="en-US" altLang="zh-CN" dirty="0"/>
-              <a:t>50</a:t>
-            </a:r>
-            <a:r>
-              <a:rPr lang="zh-CN" altLang="en-US" dirty="0"/>
-              <a:t>个学生数据、</a:t>
-            </a:r>
-            <a:r>
-              <a:rPr lang="en-US" altLang="zh-CN" dirty="0"/>
-              <a:t>10</a:t>
-            </a:r>
-            <a:r>
-              <a:rPr lang="zh-CN" altLang="en-US" dirty="0"/>
-              <a:t>个教师数据</a:t>
-            </a:r>
-            <a:endParaRPr lang="en-US" altLang="zh-CN" dirty="0"/>
-          </a:p>
-          <a:p>
-            <a:r>
-              <a:rPr lang="zh-CN" altLang="en-US" dirty="0"/>
-              <a:t>教师端（也可以用网上邻居共享文件大法）</a:t>
-            </a:r>
-            <a:endParaRPr lang="en-US" altLang="zh-CN" dirty="0"/>
-          </a:p>
-          <a:p>
-            <a:r>
-              <a:rPr lang="zh-CN" altLang="en-US" dirty="0"/>
-              <a:t>学生端 查找算法设计 系统操作</a:t>
-            </a:r>
-            <a:endParaRPr lang="en-US" altLang="zh-CN" dirty="0"/>
-          </a:p>
-          <a:p>
-            <a:r>
-              <a:rPr lang="zh-CN" altLang="en-US" dirty="0"/>
-              <a:t>不同界面可随时独立打开 不一定依靠跳转（系统时间可能不正确）</a:t>
-            </a:r>
-            <a:endParaRPr lang="en-US" altLang="zh-CN" dirty="0"/>
+        </p:nvPicPr>
+        <p:blipFill>
+          <a:blip r:embed="rId2"/>
+          <a:stretch>
+            <a:fillRect/>
+          </a:stretch>
+        </p:blipFill>
+        <p:spPr>
+          <a:xfrm>
+            <a:off x="2256790" y="1627505"/>
+            <a:ext cx="7891780" cy="4439920"/>
+          </a:xfrm>
+          <a:prstGeom prst="rect">
+            <a:avLst/>
+          </a:prstGeom>
+        </p:spPr>
+      </p:pic>
+      <p:sp>
+        <p:nvSpPr>
+          <p:cNvPr id="5" name="矩形 4"/>
+          <p:cNvSpPr/>
+          <p:nvPr/>
+        </p:nvSpPr>
+        <p:spPr>
+          <a:xfrm>
+            <a:off x="4739640" y="428625"/>
+            <a:ext cx="2926080" cy="1198880"/>
+          </a:xfrm>
+          <a:prstGeom prst="rect">
+            <a:avLst/>
+          </a:prstGeom>
+          <a:noFill/>
+          <a:ln>
+            <a:noFill/>
+          </a:ln>
+        </p:spPr>
+        <p:txBody>
+          <a:bodyPr wrap="none" rtlCol="0" anchor="t">
+            <a:spAutoFit/>
+          </a:bodyPr>
+          <a:lstStyle/>
+          <a:p>
+            <a:pPr algn="ctr"/>
+            <a:r>
+              <a:rPr lang="zh-CN" altLang="en-US" sz="7200" b="1">
+                <a:solidFill>
+                  <a:schemeClr val="tx1"/>
+                </a:solidFill>
+                <a:effectLst>
+                  <a:outerShdw blurRad="38100" dist="19050" dir="2700000" algn="tl" rotWithShape="0">
+                    <a:schemeClr val="dk1">
+                      <a:alpha val="40000"/>
+                    </a:schemeClr>
+                  </a:outerShdw>
+                </a:effectLst>
+              </a:rPr>
+              <a:t>课程表</a:t>
+            </a:r>
           </a:p>
         </p:txBody>
       </p:sp>
     </p:spTree>
-    <p:extLst>
-      <p:ext uri="{BB962C8B-B14F-4D97-AF65-F5344CB8AC3E}">
-        <p14:creationId xmlns:p14="http://schemas.microsoft.com/office/powerpoint/2010/main" val="869441953"/>
-      </p:ext>
-    </p:extLst>
   </p:cSld>
   <p:clrMapOvr>
     <a:masterClrMapping/>
   </p:clrMapOvr>
 </p:sld>
+</file>
+
+<file path=ppt/slides/slide8.xml><?xml version="1.0" encoding="utf-8"?>
+<p:sld xmlns:a="http://schemas.openxmlformats.org/drawingml/2006/main" xmlns:r="http://schemas.openxmlformats.org/officeDocument/2006/relationships" xmlns:p="http://schemas.openxmlformats.org/presentationml/2006/main">
+  <p:cSld>
+    <p:bg>
+      <p:bgPr>
+        <a:blipFill rotWithShape="1">
+          <a:blip r:embed="rId2"/>
+          <a:stretch>
+            <a:fillRect/>
+          </a:stretch>
+        </a:blipFill>
+        <a:effectLst/>
+      </p:bgPr>
+    </p:bg>
+    <p:spTree>
+      <p:nvGrpSpPr>
+        <p:cNvPr id="1" name=""/>
+        <p:cNvGrpSpPr/>
+        <p:nvPr/>
+      </p:nvGrpSpPr>
+      <p:grpSpPr>
+        <a:xfrm>
+          <a:off x="0" y="0"/>
+          <a:ext cx="0" cy="0"/>
+          <a:chOff x="0" y="0"/>
+          <a:chExt cx="0" cy="0"/>
+        </a:xfrm>
+      </p:grpSpPr>
+      <p:sp>
+        <p:nvSpPr>
+          <p:cNvPr id="2" name="标题 1"/>
+          <p:cNvSpPr>
+            <a:spLocks noGrp="1"/>
+          </p:cNvSpPr>
+          <p:nvPr>
+            <p:ph type="title"/>
+          </p:nvPr>
+        </p:nvSpPr>
+        <p:spPr/>
+        <p:txBody>
+          <a:bodyPr/>
+          <a:lstStyle/>
+          <a:p>
+            <a:r>
+              <a:rPr lang="zh-CN" altLang="en-US" dirty="0"/>
+              <a:t>系统设置</a:t>
+            </a:r>
+          </a:p>
+        </p:txBody>
+      </p:sp>
+      <p:sp>
+        <p:nvSpPr>
+          <p:cNvPr id="3" name="内容占位符 2"/>
+          <p:cNvSpPr>
+            <a:spLocks noGrp="1"/>
+          </p:cNvSpPr>
+          <p:nvPr>
+            <p:ph idx="1"/>
+          </p:nvPr>
+        </p:nvSpPr>
+        <p:spPr/>
+        <p:txBody>
+          <a:bodyPr/>
+          <a:lstStyle/>
+          <a:p>
+            <a:r>
+              <a:rPr lang="en-US" altLang="zh-CN" dirty="0"/>
+              <a:t>7:00</a:t>
+            </a:r>
+            <a:r>
+              <a:rPr lang="zh-CN" altLang="en-US" dirty="0"/>
+              <a:t>显示课程表</a:t>
+            </a:r>
+            <a:endParaRPr lang="en-US" altLang="zh-CN" dirty="0"/>
+          </a:p>
+          <a:p>
+            <a:r>
+              <a:rPr lang="zh-CN" altLang="en-US" dirty="0"/>
+              <a:t>下午 </a:t>
+            </a:r>
+            <a:r>
+              <a:rPr lang="en-US" altLang="zh-CN" dirty="0"/>
+              <a:t>17:00</a:t>
+            </a:r>
+            <a:r>
+              <a:rPr lang="zh-CN" altLang="en-US" dirty="0"/>
+              <a:t>切换至作业界面</a:t>
+            </a:r>
+            <a:endParaRPr lang="en-US" altLang="zh-CN" dirty="0"/>
+          </a:p>
+          <a:p>
+            <a:r>
+              <a:rPr lang="en-US" altLang="zh-CN" dirty="0"/>
+              <a:t>21:30</a:t>
+            </a:r>
+            <a:r>
+              <a:rPr lang="zh-CN" altLang="en-US"/>
+              <a:t>关闭程序</a:t>
+            </a:r>
+            <a:endParaRPr lang="en-US" altLang="zh-CN" dirty="0"/>
+          </a:p>
+        </p:txBody>
+      </p:sp>
+    </p:spTree>
+  </p:cSld>
+  <p:clrMapOvr>
+    <a:masterClrMapping/>
+  </p:clrMapOvr>
+</p:sld>
+</file>
+
+<file path=ppt/tags/tag1.xml><?xml version="1.0" encoding="utf-8"?>
+<p:tagLst xmlns:a="http://schemas.openxmlformats.org/drawingml/2006/main" xmlns:r="http://schemas.openxmlformats.org/officeDocument/2006/relationships" xmlns:p="http://schemas.openxmlformats.org/presentationml/2006/main">
+  <p:tag name="KSO_WM_TEMPLATE_CATEGORY" val="diagram"/>
+  <p:tag name="KSO_WM_TEMPLATE_INDEX" val="20165062"/>
+  <p:tag name="KSO_WM_TAG_VERSION" val="1.0"/>
+  <p:tag name="KSO_WM_BEAUTIFY_FLAG" val="#wm#"/>
+  <p:tag name="KSO_WM_UNIT_TYPE" val="p_i"/>
+  <p:tag name="KSO_WM_UNIT_INDEX" val="1_5"/>
+  <p:tag name="KSO_WM_UNIT_ID" val="diagram20165062_1*p_i*1_5"/>
+  <p:tag name="KSO_WM_UNIT_LAYERLEVEL" val="1_1"/>
+  <p:tag name="KSO_WM_DIAGRAM_GROUP_CODE" val="p1-1"/>
+  <p:tag name="KSO_WM_UNIT_HIGHLIGHT" val="0"/>
+  <p:tag name="KSO_WM_UNIT_COMPATIBLE" val="0"/>
+  <p:tag name="KSO_WM_UNIT_DIAGRAM_ISNUMVISUAL" val="0"/>
+  <p:tag name="KSO_WM_UNIT_DIAGRAM_ISREFERUNIT" val="0"/>
+  <p:tag name="KSO_WM_UNIT_LINE_FORE_SCHEMECOLOR_INDEX" val="8"/>
+  <p:tag name="KSO_WM_UNIT_LINE_FILL_TYPE" val="2"/>
+</p:tagLst>
+</file>
+
+<file path=ppt/tags/tag2.xml><?xml version="1.0" encoding="utf-8"?>
+<p:tagLst xmlns:a="http://schemas.openxmlformats.org/drawingml/2006/main" xmlns:r="http://schemas.openxmlformats.org/officeDocument/2006/relationships" xmlns:p="http://schemas.openxmlformats.org/presentationml/2006/main">
+  <p:tag name="KSO_WM_TEMPLATE_CATEGORY" val="diagram"/>
+  <p:tag name="KSO_WM_TEMPLATE_INDEX" val="20165062"/>
+  <p:tag name="KSO_WM_TAG_VERSION" val="1.0"/>
+  <p:tag name="KSO_WM_BEAUTIFY_FLAG" val="#wm#"/>
+  <p:tag name="KSO_WM_UNIT_TYPE" val="p_i"/>
+  <p:tag name="KSO_WM_UNIT_INDEX" val="1_2"/>
+  <p:tag name="KSO_WM_UNIT_ID" val="diagram20165062_1*p_i*1_2"/>
+  <p:tag name="KSO_WM_UNIT_LAYERLEVEL" val="1_1"/>
+  <p:tag name="KSO_WM_DIAGRAM_GROUP_CODE" val="p1-1"/>
+  <p:tag name="KSO_WM_UNIT_HIGHLIGHT" val="0"/>
+  <p:tag name="KSO_WM_UNIT_COMPATIBLE" val="0"/>
+  <p:tag name="KSO_WM_UNIT_DIAGRAM_ISNUMVISUAL" val="0"/>
+  <p:tag name="KSO_WM_UNIT_DIAGRAM_ISREFERUNIT" val="0"/>
+  <p:tag name="KSO_WM_UNIT_LINE_FORE_SCHEMECOLOR_INDEX" val="8"/>
+  <p:tag name="KSO_WM_UNIT_LINE_FILL_TYPE" val="2"/>
+</p:tagLst>
+</file>
+
+<file path=ppt/tags/tag3.xml><?xml version="1.0" encoding="utf-8"?>
+<p:tagLst xmlns:a="http://schemas.openxmlformats.org/drawingml/2006/main" xmlns:r="http://schemas.openxmlformats.org/officeDocument/2006/relationships" xmlns:p="http://schemas.openxmlformats.org/presentationml/2006/main">
+  <p:tag name="KSO_WM_TEMPLATE_CATEGORY" val="diagram"/>
+  <p:tag name="KSO_WM_TEMPLATE_INDEX" val="20165062"/>
+  <p:tag name="KSO_WM_TAG_VERSION" val="1.0"/>
+  <p:tag name="KSO_WM_BEAUTIFY_FLAG" val="#wm#"/>
+  <p:tag name="KSO_WM_UNIT_TYPE" val="p_h_f"/>
+  <p:tag name="KSO_WM_UNIT_INDEX" val="1_1_1"/>
+  <p:tag name="KSO_WM_UNIT_ID" val="diagram20165062_1*p_h_f*1_1_1"/>
+  <p:tag name="KSO_WM_UNIT_LAYERLEVEL" val="1_1_1"/>
+  <p:tag name="KSO_WM_UNIT_VALUE" val="12"/>
+  <p:tag name="KSO_WM_UNIT_HIGHLIGHT" val="0"/>
+  <p:tag name="KSO_WM_UNIT_COMPATIBLE" val="0"/>
+  <p:tag name="KSO_WM_DIAGRAM_GROUP_CODE" val="p1-1"/>
+  <p:tag name="KSO_WM_UNIT_PRESET_TEXT" val="添加标题"/>
+  <p:tag name="KSO_WM_UNIT_NOCLEAR" val="0"/>
+  <p:tag name="KSO_WM_UNIT_DIAGRAM_ISNUMVISUAL" val="0"/>
+  <p:tag name="KSO_WM_UNIT_DIAGRAM_ISREFERUNIT" val="0"/>
+  <p:tag name="KSO_WM_UNIT_TEXT_FILL_FORE_SCHEMECOLOR_INDEX" val="13"/>
+  <p:tag name="KSO_WM_UNIT_TEXT_FILL_TYPE" val="1"/>
+</p:tagLst>
+</file>
+
+<file path=ppt/tags/tag4.xml><?xml version="1.0" encoding="utf-8"?>
+<p:tagLst xmlns:a="http://schemas.openxmlformats.org/drawingml/2006/main" xmlns:r="http://schemas.openxmlformats.org/officeDocument/2006/relationships" xmlns:p="http://schemas.openxmlformats.org/presentationml/2006/main">
+  <p:tag name="KSO_WM_TEMPLATE_CATEGORY" val="diagram"/>
+  <p:tag name="KSO_WM_TEMPLATE_INDEX" val="20165062"/>
+  <p:tag name="KSO_WM_TAG_VERSION" val="1.0"/>
+  <p:tag name="KSO_WM_BEAUTIFY_FLAG" val="#wm#"/>
+  <p:tag name="KSO_WM_UNIT_TYPE" val="p_i"/>
+  <p:tag name="KSO_WM_UNIT_INDEX" val="1_1"/>
+  <p:tag name="KSO_WM_UNIT_ID" val="diagram20165062_1*p_i*1_1"/>
+  <p:tag name="KSO_WM_UNIT_LAYERLEVEL" val="1_1"/>
+  <p:tag name="KSO_WM_DIAGRAM_GROUP_CODE" val="p1-1"/>
+  <p:tag name="KSO_WM_UNIT_HIGHLIGHT" val="0"/>
+  <p:tag name="KSO_WM_UNIT_COMPATIBLE" val="0"/>
+  <p:tag name="KSO_WM_UNIT_DIAGRAM_ISNUMVISUAL" val="0"/>
+  <p:tag name="KSO_WM_UNIT_DIAGRAM_ISREFERUNIT" val="0"/>
+  <p:tag name="KSO_WM_UNIT_LINE_FORE_SCHEMECOLOR_INDEX" val="8"/>
+  <p:tag name="KSO_WM_UNIT_LINE_FILL_TYPE" val="2"/>
+</p:tagLst>
+</file>
+
+<file path=ppt/tags/tag5.xml><?xml version="1.0" encoding="utf-8"?>
+<p:tagLst xmlns:a="http://schemas.openxmlformats.org/drawingml/2006/main" xmlns:r="http://schemas.openxmlformats.org/officeDocument/2006/relationships" xmlns:p="http://schemas.openxmlformats.org/presentationml/2006/main">
+  <p:tag name="KSO_WM_TEMPLATE_CATEGORY" val="diagram"/>
+  <p:tag name="KSO_WM_TEMPLATE_INDEX" val="20165062"/>
+  <p:tag name="KSO_WM_TAG_VERSION" val="1.0"/>
+  <p:tag name="KSO_WM_BEAUTIFY_FLAG" val="#wm#"/>
+  <p:tag name="KSO_WM_UNIT_TYPE" val="p_i"/>
+  <p:tag name="KSO_WM_UNIT_INDEX" val="1_4"/>
+  <p:tag name="KSO_WM_UNIT_ID" val="diagram20165062_1*p_i*1_4"/>
+  <p:tag name="KSO_WM_UNIT_LAYERLEVEL" val="1_1"/>
+  <p:tag name="KSO_WM_DIAGRAM_GROUP_CODE" val="p1-1"/>
+  <p:tag name="KSO_WM_UNIT_HIGHLIGHT" val="0"/>
+  <p:tag name="KSO_WM_UNIT_COMPATIBLE" val="0"/>
+  <p:tag name="KSO_WM_UNIT_DIAGRAM_ISNUMVISUAL" val="0"/>
+  <p:tag name="KSO_WM_UNIT_DIAGRAM_ISREFERUNIT" val="0"/>
+  <p:tag name="KSO_WM_UNIT_LINE_FORE_SCHEMECOLOR_INDEX" val="8"/>
+  <p:tag name="KSO_WM_UNIT_LINE_FILL_TYPE" val="2"/>
+</p:tagLst>
+</file>
+
+<file path=ppt/tags/tag6.xml><?xml version="1.0" encoding="utf-8"?>
+<p:tagLst xmlns:a="http://schemas.openxmlformats.org/drawingml/2006/main" xmlns:r="http://schemas.openxmlformats.org/officeDocument/2006/relationships" xmlns:p="http://schemas.openxmlformats.org/presentationml/2006/main">
+  <p:tag name="KSO_WM_TEMPLATE_CATEGORY" val="diagram"/>
+  <p:tag name="KSO_WM_TEMPLATE_INDEX" val="20165062"/>
+  <p:tag name="KSO_WM_TAG_VERSION" val="1.0"/>
+  <p:tag name="KSO_WM_BEAUTIFY_FLAG" val="#wm#"/>
+  <p:tag name="KSO_WM_UNIT_TYPE" val="p_i"/>
+  <p:tag name="KSO_WM_UNIT_INDEX" val="1_3"/>
+  <p:tag name="KSO_WM_UNIT_ID" val="diagram20165062_1*p_i*1_3"/>
+  <p:tag name="KSO_WM_UNIT_LAYERLEVEL" val="1_1"/>
+  <p:tag name="KSO_WM_DIAGRAM_GROUP_CODE" val="p1-1"/>
+  <p:tag name="KSO_WM_UNIT_HIGHLIGHT" val="0"/>
+  <p:tag name="KSO_WM_UNIT_COMPATIBLE" val="0"/>
+  <p:tag name="KSO_WM_UNIT_DIAGRAM_ISNUMVISUAL" val="0"/>
+  <p:tag name="KSO_WM_UNIT_DIAGRAM_ISREFERUNIT" val="0"/>
+  <p:tag name="KSO_WM_UNIT_LINE_FORE_SCHEMECOLOR_INDEX" val="8"/>
+  <p:tag name="KSO_WM_UNIT_LINE_FILL_TYPE" val="2"/>
+</p:tagLst>
+</file>
+
+<file path=ppt/tags/tag7.xml><?xml version="1.0" encoding="utf-8"?>
+<p:tagLst xmlns:a="http://schemas.openxmlformats.org/drawingml/2006/main" xmlns:r="http://schemas.openxmlformats.org/officeDocument/2006/relationships" xmlns:p="http://schemas.openxmlformats.org/presentationml/2006/main">
+  <p:tag name="REFSHAPE" val="480150356"/>
+  <p:tag name="KSO_WM_UNIT_PLACING_PICTURE_USER_VIEWPORT" val="{&quot;height&quot;:8910,&quot;width&quot;:15840}"/>
+</p:tagLst>
+</file>
+
+<file path=ppt/tags/tag8.xml><?xml version="1.0" encoding="utf-8"?>
+<p:tagLst xmlns:a="http://schemas.openxmlformats.org/drawingml/2006/main" xmlns:r="http://schemas.openxmlformats.org/officeDocument/2006/relationships" xmlns:p="http://schemas.openxmlformats.org/presentationml/2006/main">
+  <p:tag name="REFSHAPE" val="863803140"/>
+  <p:tag name="KSO_WM_UNIT_PLACING_PICTURE_USER_VIEWPORT" val="{&quot;height&quot;:8910,&quot;width&quot;:15840}"/>
+</p:tagLst>
 </file>
 
 <file path=ppt/theme/theme1.xml><?xml version="1.0" encoding="utf-8"?>
@@ -4126,7 +4806,7 @@
     </a:clrScheme>
     <a:fontScheme name="Office">
       <a:majorFont>
-        <a:latin typeface="等线 Light" panose="020F0302020204030204"/>
+        <a:latin typeface="等线 Light"/>
         <a:ea typeface=""/>
         <a:cs typeface=""/>
         <a:font script="Jpan" typeface="游ゴシック Light"/>
@@ -4159,26 +4839,9 @@
         <a:font script="Viet" typeface="Times New Roman"/>
         <a:font script="Uigh" typeface="Microsoft Uighur"/>
         <a:font script="Geor" typeface="Sylfaen"/>
-        <a:font script="Armn" typeface="Arial"/>
-        <a:font script="Bugi" typeface="Leelawadee UI"/>
-        <a:font script="Bopo" typeface="Microsoft JhengHei"/>
-        <a:font script="Java" typeface="Javanese Text"/>
-        <a:font script="Lisu" typeface="Segoe UI"/>
-        <a:font script="Mymr" typeface="Myanmar Text"/>
-        <a:font script="Nkoo" typeface="Ebrima"/>
-        <a:font script="Olck" typeface="Nirmala UI"/>
-        <a:font script="Osma" typeface="Ebrima"/>
-        <a:font script="Phag" typeface="Phagspa"/>
-        <a:font script="Syrn" typeface="Estrangelo Edessa"/>
-        <a:font script="Syrj" typeface="Estrangelo Edessa"/>
-        <a:font script="Syre" typeface="Estrangelo Edessa"/>
-        <a:font script="Sora" typeface="Nirmala UI"/>
-        <a:font script="Tale" typeface="Microsoft Tai Le"/>
-        <a:font script="Talu" typeface="Microsoft New Tai Lue"/>
-        <a:font script="Tfng" typeface="Ebrima"/>
       </a:majorFont>
       <a:minorFont>
-        <a:latin typeface="等线" panose="020F0502020204030204"/>
+        <a:latin typeface="等线"/>
         <a:ea typeface=""/>
         <a:cs typeface=""/>
         <a:font script="Jpan" typeface="游ゴシック"/>
@@ -4211,23 +4874,6 @@
         <a:font script="Viet" typeface="Arial"/>
         <a:font script="Uigh" typeface="Microsoft Uighur"/>
         <a:font script="Geor" typeface="Sylfaen"/>
-        <a:font script="Armn" typeface="Arial"/>
-        <a:font script="Bugi" typeface="Leelawadee UI"/>
-        <a:font script="Bopo" typeface="Microsoft JhengHei"/>
-        <a:font script="Java" typeface="Javanese Text"/>
-        <a:font script="Lisu" typeface="Segoe UI"/>
-        <a:font script="Mymr" typeface="Myanmar Text"/>
-        <a:font script="Nkoo" typeface="Ebrima"/>
-        <a:font script="Olck" typeface="Nirmala UI"/>
-        <a:font script="Osma" typeface="Ebrima"/>
-        <a:font script="Phag" typeface="Phagspa"/>
-        <a:font script="Syrn" typeface="Estrangelo Edessa"/>
-        <a:font script="Syrj" typeface="Estrangelo Edessa"/>
-        <a:font script="Syre" typeface="Estrangelo Edessa"/>
-        <a:font script="Sora" typeface="Nirmala UI"/>
-        <a:font script="Tale" typeface="Microsoft Tai Le"/>
-        <a:font script="Talu" typeface="Microsoft New Tai Lue"/>
-        <a:font script="Tfng" typeface="Ebrima"/>
       </a:minorFont>
     </a:fontScheme>
     <a:fmtScheme name="Office">
